--- a/开题答辩PPT.pptx
+++ b/开题答辩PPT.pptx
@@ -5,10 +5,10 @@
     <p:sldMasterId id="2147483648" r:id="rId1"/>
   </p:sldMasterIdLst>
   <p:notesMasterIdLst>
-    <p:notesMasterId r:id="rId15"/>
+    <p:notesMasterId r:id="rId16"/>
   </p:notesMasterIdLst>
   <p:handoutMasterIdLst>
-    <p:handoutMasterId r:id="rId16"/>
+    <p:handoutMasterId r:id="rId17"/>
   </p:handoutMasterIdLst>
   <p:sldIdLst>
     <p:sldId id="256" r:id="rId3"/>
@@ -22,12 +22,13 @@
     <p:sldId id="280" r:id="rId11"/>
     <p:sldId id="272" r:id="rId12"/>
     <p:sldId id="293" r:id="rId13"/>
-    <p:sldId id="261" r:id="rId14"/>
+    <p:sldId id="295" r:id="rId14"/>
+    <p:sldId id="261" r:id="rId15"/>
   </p:sldIdLst>
   <p:sldSz cx="12192000" cy="6858000"/>
   <p:notesSz cx="6858000" cy="9144000"/>
   <p:custDataLst>
-    <p:tags r:id="rId20"/>
+    <p:tags r:id="rId21"/>
   </p:custDataLst>
   <p:defaultTextStyle>
     <a:defPPr>
@@ -2493,7 +2494,7 @@
           <a:graphicData uri="http://schemas.openxmlformats.org/presentationml/2006/ole">
             <mc:AlternateContent xmlns:mc="http://schemas.openxmlformats.org/markup-compatibility/2006">
               <mc:Choice xmlns:v="urn:schemas-microsoft-com:vml" Requires="v">
-                <p:oleObj spid="_x0000_s0" name="think-cell Slide" r:id="rId1" imgW="9525" imgH="9525" progId="TCLayout.ActiveDocument.1">
+                <p:oleObj spid="_x0000_s2" name="think-cell Slide" r:id="rId1" imgW="9525" imgH="9525" progId="TCLayout.ActiveDocument.1">
                   <p:embed/>
                 </p:oleObj>
               </mc:Choice>
@@ -2530,7 +2531,7 @@
       </p:graphicFrame>
       <p:sp>
         <p:nvSpPr>
-          <p:cNvPr id="2" name="矩形 1" hidden="1"/>
+          <p:cNvPr id="4" name="矩形 3" hidden="1"/>
           <p:cNvSpPr/>
           <p:nvPr/>
         </p:nvSpPr>
@@ -2587,7 +2588,7 @@
       </p:sp>
       <p:sp>
         <p:nvSpPr>
-          <p:cNvPr id="4" name="标题 3"/>
+          <p:cNvPr id="5" name="标题 4"/>
           <p:cNvSpPr>
             <a:spLocks noGrp="1"/>
           </p:cNvSpPr>
@@ -2614,7 +2615,7 @@
       </p:sp>
       <p:sp>
         <p:nvSpPr>
-          <p:cNvPr id="5" name="副标题 4"/>
+          <p:cNvPr id="6" name="副标题 5"/>
           <p:cNvSpPr>
             <a:spLocks noGrp="1"/>
           </p:cNvSpPr>
@@ -2637,7 +2638,7 @@
       </p:sp>
       <p:sp>
         <p:nvSpPr>
-          <p:cNvPr id="6" name="文本占位符 5"/>
+          <p:cNvPr id="7" name="文本占位符 6"/>
           <p:cNvSpPr>
             <a:spLocks noGrp="1"/>
           </p:cNvSpPr>
@@ -2816,8 +2817,8 @@
           <a:lstStyle/>
           <a:p>
             <a:r>
-              <a:rPr lang="en-US" altLang="zh-CN" dirty="0"/>
-              <a:t>Click to edit Master title style</a:t>
+              <a:rPr lang="zh-CN" altLang="en-US" dirty="0"/>
+              <a:t>计划</a:t>
             </a:r>
             <a:endParaRPr lang="zh-CN" altLang="en-US" dirty="0"/>
           </a:p>
@@ -6152,7 +6153,7 @@
         </p:nvCxnSpPr>
         <p:spPr>
           <a:xfrm flipH="1">
-            <a:off x="669925" y="4356089"/>
+            <a:off x="669925" y="4476739"/>
             <a:ext cx="4016375" cy="0"/>
           </a:xfrm>
           <a:prstGeom prst="line">
@@ -6312,7 +6313,7 @@
         </p:nvSpPr>
         <p:spPr bwMode="auto">
           <a:xfrm>
-            <a:off x="458470" y="2858135"/>
+            <a:off x="458470" y="2964180"/>
             <a:ext cx="3827780" cy="633095"/>
           </a:xfrm>
           <a:prstGeom prst="rect">
@@ -6436,7 +6437,7 @@
         </p:nvSpPr>
         <p:spPr bwMode="auto">
           <a:xfrm>
-            <a:off x="459105" y="3644265"/>
+            <a:off x="458470" y="3724275"/>
             <a:ext cx="4041775" cy="576580"/>
           </a:xfrm>
           <a:prstGeom prst="rect">
@@ -6871,6 +6872,3823 @@
           <a:chExt cx="0" cy="0"/>
         </a:xfrm>
       </p:grpSpPr>
+      <p:sp>
+        <p:nvSpPr>
+          <p:cNvPr id="2" name="标题 1"/>
+          <p:cNvSpPr>
+            <a:spLocks noGrp="1"/>
+          </p:cNvSpPr>
+          <p:nvPr>
+            <p:ph type="title"/>
+          </p:nvPr>
+        </p:nvSpPr>
+        <p:spPr/>
+        <p:txBody>
+          <a:bodyPr/>
+          <a:lstStyle/>
+          <a:p>
+            <a:r>
+              <a:rPr lang="zh-CN" altLang="en-US" dirty="0"/>
+              <a:t>计划</a:t>
+            </a:r>
+            <a:endParaRPr lang="zh-CN" altLang="en-US" dirty="0"/>
+          </a:p>
+        </p:txBody>
+      </p:sp>
+      <p:sp>
+        <p:nvSpPr>
+          <p:cNvPr id="3" name="页脚占位符 2"/>
+          <p:cNvSpPr>
+            <a:spLocks noGrp="1"/>
+          </p:cNvSpPr>
+          <p:nvPr>
+            <p:ph type="ftr" sz="quarter" idx="11"/>
+          </p:nvPr>
+        </p:nvSpPr>
+        <p:spPr/>
+        <p:txBody>
+          <a:bodyPr/>
+          <a:lstStyle/>
+          <a:p>
+            <a:r>
+              <a:rPr lang="en-US" altLang="zh-CN"/>
+              <a:t>OfficePLUS</a:t>
+            </a:r>
+            <a:endParaRPr lang="zh-CN" altLang="en-US" dirty="0"/>
+          </a:p>
+        </p:txBody>
+      </p:sp>
+      <p:sp>
+        <p:nvSpPr>
+          <p:cNvPr id="4" name="灯片编号占位符 3"/>
+          <p:cNvSpPr>
+            <a:spLocks noGrp="1"/>
+          </p:cNvSpPr>
+          <p:nvPr>
+            <p:ph type="sldNum" sz="quarter" idx="12"/>
+          </p:nvPr>
+        </p:nvSpPr>
+        <p:spPr/>
+        <p:txBody>
+          <a:bodyPr/>
+          <a:lstStyle/>
+          <a:p>
+            <a:fld id="{5DD3DB80-B894-403A-B48E-6FDC1A72010E}" type="slidenum">
+              <a:rPr lang="zh-CN" altLang="en-US" smtClean="0"/>
+            </a:fld>
+            <a:endParaRPr lang="zh-CN" altLang="en-US"/>
+          </a:p>
+        </p:txBody>
+      </p:sp>
+      <p:sp>
+        <p:nvSpPr>
+          <p:cNvPr id="47" name="矩形: 圆角 46"/>
+          <p:cNvSpPr/>
+          <p:nvPr/>
+        </p:nvSpPr>
+        <p:spPr>
+          <a:xfrm>
+            <a:off x="4848445" y="2435510"/>
+            <a:ext cx="2495109" cy="3279994"/>
+          </a:xfrm>
+          <a:prstGeom prst="roundRect">
+            <a:avLst>
+              <a:gd name="adj" fmla="val 9051"/>
+            </a:avLst>
+          </a:prstGeom>
+          <a:solidFill>
+            <a:schemeClr val="bg1">
+              <a:lumMod val="75000"/>
+            </a:schemeClr>
+          </a:solidFill>
+          <a:ln w="76200">
+            <a:noFill/>
+          </a:ln>
+        </p:spPr>
+        <p:style>
+          <a:lnRef idx="2">
+            <a:schemeClr val="accent1">
+              <a:shade val="50000"/>
+            </a:schemeClr>
+          </a:lnRef>
+          <a:fillRef idx="1">
+            <a:schemeClr val="accent1"/>
+          </a:fillRef>
+          <a:effectRef idx="0">
+            <a:schemeClr val="accent1"/>
+          </a:effectRef>
+          <a:fontRef idx="minor">
+            <a:schemeClr val="lt1"/>
+          </a:fontRef>
+        </p:style>
+        <p:txBody>
+          <a:bodyPr wrap="square" lIns="91440" tIns="45720" rIns="91440" bIns="45720" anchor="ctr">
+            <a:normAutofit/>
+          </a:bodyPr>
+          <a:lstStyle>
+            <a:defPPr>
+              <a:defRPr lang="zh-CN"/>
+            </a:defPPr>
+            <a:lvl1pPr marL="0" algn="l" defTabSz="914400" rtl="0" eaLnBrk="1" latinLnBrk="0" hangingPunct="1">
+              <a:defRPr sz="1800" kern="1200">
+                <a:solidFill>
+                  <a:schemeClr val="lt1"/>
+                </a:solidFill>
+              </a:defRPr>
+            </a:lvl1pPr>
+            <a:lvl2pPr marL="457200" algn="l" defTabSz="914400" rtl="0" eaLnBrk="1" latinLnBrk="0" hangingPunct="1">
+              <a:defRPr sz="1800" kern="1200">
+                <a:solidFill>
+                  <a:schemeClr val="lt1"/>
+                </a:solidFill>
+              </a:defRPr>
+            </a:lvl2pPr>
+            <a:lvl3pPr marL="914400" algn="l" defTabSz="914400" rtl="0" eaLnBrk="1" latinLnBrk="0" hangingPunct="1">
+              <a:defRPr sz="1800" kern="1200">
+                <a:solidFill>
+                  <a:schemeClr val="lt1"/>
+                </a:solidFill>
+              </a:defRPr>
+            </a:lvl3pPr>
+            <a:lvl4pPr marL="1371600" algn="l" defTabSz="914400" rtl="0" eaLnBrk="1" latinLnBrk="0" hangingPunct="1">
+              <a:defRPr sz="1800" kern="1200">
+                <a:solidFill>
+                  <a:schemeClr val="lt1"/>
+                </a:solidFill>
+              </a:defRPr>
+            </a:lvl4pPr>
+            <a:lvl5pPr marL="1828800" algn="l" defTabSz="914400" rtl="0" eaLnBrk="1" latinLnBrk="0" hangingPunct="1">
+              <a:defRPr sz="1800" kern="1200">
+                <a:solidFill>
+                  <a:schemeClr val="lt1"/>
+                </a:solidFill>
+              </a:defRPr>
+            </a:lvl5pPr>
+            <a:lvl6pPr marL="2286000" algn="l" defTabSz="914400" rtl="0" eaLnBrk="1" latinLnBrk="0" hangingPunct="1">
+              <a:defRPr sz="1800" kern="1200">
+                <a:solidFill>
+                  <a:schemeClr val="lt1"/>
+                </a:solidFill>
+              </a:defRPr>
+            </a:lvl6pPr>
+            <a:lvl7pPr marL="2743200" algn="l" defTabSz="914400" rtl="0" eaLnBrk="1" latinLnBrk="0" hangingPunct="1">
+              <a:defRPr sz="1800" kern="1200">
+                <a:solidFill>
+                  <a:schemeClr val="lt1"/>
+                </a:solidFill>
+              </a:defRPr>
+            </a:lvl7pPr>
+            <a:lvl8pPr marL="3200400" algn="l" defTabSz="914400" rtl="0" eaLnBrk="1" latinLnBrk="0" hangingPunct="1">
+              <a:defRPr sz="1800" kern="1200">
+                <a:solidFill>
+                  <a:schemeClr val="lt1"/>
+                </a:solidFill>
+              </a:defRPr>
+            </a:lvl8pPr>
+            <a:lvl9pPr marL="3657600" algn="l" defTabSz="914400" rtl="0" eaLnBrk="1" latinLnBrk="0" hangingPunct="1">
+              <a:defRPr sz="1800" kern="1200">
+                <a:solidFill>
+                  <a:schemeClr val="lt1"/>
+                </a:solidFill>
+              </a:defRPr>
+            </a:lvl9pPr>
+          </a:lstStyle>
+          <a:p>
+            <a:pPr algn="ctr"/>
+          </a:p>
+        </p:txBody>
+      </p:sp>
+      <p:sp>
+        <p:nvSpPr>
+          <p:cNvPr id="48" name="矩形: 圆角 47"/>
+          <p:cNvSpPr/>
+          <p:nvPr/>
+        </p:nvSpPr>
+        <p:spPr>
+          <a:xfrm>
+            <a:off x="5019709" y="2670646"/>
+            <a:ext cx="2152581" cy="2896143"/>
+          </a:xfrm>
+          <a:prstGeom prst="roundRect">
+            <a:avLst>
+              <a:gd name="adj" fmla="val 9051"/>
+            </a:avLst>
+          </a:prstGeom>
+          <a:solidFill>
+            <a:schemeClr val="bg1"/>
+          </a:solidFill>
+          <a:ln w="76200">
+            <a:noFill/>
+          </a:ln>
+        </p:spPr>
+        <p:style>
+          <a:lnRef idx="2">
+            <a:schemeClr val="accent1">
+              <a:shade val="50000"/>
+            </a:schemeClr>
+          </a:lnRef>
+          <a:fillRef idx="1">
+            <a:schemeClr val="accent1"/>
+          </a:fillRef>
+          <a:effectRef idx="0">
+            <a:schemeClr val="accent1"/>
+          </a:effectRef>
+          <a:fontRef idx="minor">
+            <a:schemeClr val="lt1"/>
+          </a:fontRef>
+        </p:style>
+        <p:txBody>
+          <a:bodyPr wrap="square" lIns="91440" tIns="45720" rIns="91440" bIns="45720" anchor="ctr">
+            <a:normAutofit/>
+          </a:bodyPr>
+          <a:lstStyle>
+            <a:defPPr>
+              <a:defRPr lang="zh-CN"/>
+            </a:defPPr>
+            <a:lvl1pPr marL="0" algn="l" defTabSz="914400" rtl="0" eaLnBrk="1" latinLnBrk="0" hangingPunct="1">
+              <a:defRPr sz="1800" kern="1200">
+                <a:solidFill>
+                  <a:schemeClr val="lt1"/>
+                </a:solidFill>
+              </a:defRPr>
+            </a:lvl1pPr>
+            <a:lvl2pPr marL="457200" algn="l" defTabSz="914400" rtl="0" eaLnBrk="1" latinLnBrk="0" hangingPunct="1">
+              <a:defRPr sz="1800" kern="1200">
+                <a:solidFill>
+                  <a:schemeClr val="lt1"/>
+                </a:solidFill>
+              </a:defRPr>
+            </a:lvl2pPr>
+            <a:lvl3pPr marL="914400" algn="l" defTabSz="914400" rtl="0" eaLnBrk="1" latinLnBrk="0" hangingPunct="1">
+              <a:defRPr sz="1800" kern="1200">
+                <a:solidFill>
+                  <a:schemeClr val="lt1"/>
+                </a:solidFill>
+              </a:defRPr>
+            </a:lvl3pPr>
+            <a:lvl4pPr marL="1371600" algn="l" defTabSz="914400" rtl="0" eaLnBrk="1" latinLnBrk="0" hangingPunct="1">
+              <a:defRPr sz="1800" kern="1200">
+                <a:solidFill>
+                  <a:schemeClr val="lt1"/>
+                </a:solidFill>
+              </a:defRPr>
+            </a:lvl4pPr>
+            <a:lvl5pPr marL="1828800" algn="l" defTabSz="914400" rtl="0" eaLnBrk="1" latinLnBrk="0" hangingPunct="1">
+              <a:defRPr sz="1800" kern="1200">
+                <a:solidFill>
+                  <a:schemeClr val="lt1"/>
+                </a:solidFill>
+              </a:defRPr>
+            </a:lvl5pPr>
+            <a:lvl6pPr marL="2286000" algn="l" defTabSz="914400" rtl="0" eaLnBrk="1" latinLnBrk="0" hangingPunct="1">
+              <a:defRPr sz="1800" kern="1200">
+                <a:solidFill>
+                  <a:schemeClr val="lt1"/>
+                </a:solidFill>
+              </a:defRPr>
+            </a:lvl6pPr>
+            <a:lvl7pPr marL="2743200" algn="l" defTabSz="914400" rtl="0" eaLnBrk="1" latinLnBrk="0" hangingPunct="1">
+              <a:defRPr sz="1800" kern="1200">
+                <a:solidFill>
+                  <a:schemeClr val="lt1"/>
+                </a:solidFill>
+              </a:defRPr>
+            </a:lvl7pPr>
+            <a:lvl8pPr marL="3200400" algn="l" defTabSz="914400" rtl="0" eaLnBrk="1" latinLnBrk="0" hangingPunct="1">
+              <a:defRPr sz="1800" kern="1200">
+                <a:solidFill>
+                  <a:schemeClr val="lt1"/>
+                </a:solidFill>
+              </a:defRPr>
+            </a:lvl8pPr>
+            <a:lvl9pPr marL="3657600" algn="l" defTabSz="914400" rtl="0" eaLnBrk="1" latinLnBrk="0" hangingPunct="1">
+              <a:defRPr sz="1800" kern="1200">
+                <a:solidFill>
+                  <a:schemeClr val="lt1"/>
+                </a:solidFill>
+              </a:defRPr>
+            </a:lvl9pPr>
+          </a:lstStyle>
+          <a:p>
+            <a:pPr algn="ctr"/>
+          </a:p>
+        </p:txBody>
+      </p:sp>
+      <p:sp>
+        <p:nvSpPr>
+          <p:cNvPr id="49" name="椭圆 48"/>
+          <p:cNvSpPr/>
+          <p:nvPr/>
+        </p:nvSpPr>
+        <p:spPr>
+          <a:xfrm>
+            <a:off x="5294591" y="2794906"/>
+            <a:ext cx="169370" cy="169370"/>
+          </a:xfrm>
+          <a:prstGeom prst="ellipse">
+            <a:avLst/>
+          </a:prstGeom>
+          <a:solidFill>
+            <a:schemeClr val="bg1">
+              <a:lumMod val="50000"/>
+            </a:schemeClr>
+          </a:solidFill>
+          <a:ln w="76200">
+            <a:noFill/>
+          </a:ln>
+        </p:spPr>
+        <p:style>
+          <a:lnRef idx="2">
+            <a:schemeClr val="accent1">
+              <a:shade val="50000"/>
+            </a:schemeClr>
+          </a:lnRef>
+          <a:fillRef idx="1">
+            <a:schemeClr val="accent1"/>
+          </a:fillRef>
+          <a:effectRef idx="0">
+            <a:schemeClr val="accent1"/>
+          </a:effectRef>
+          <a:fontRef idx="minor">
+            <a:schemeClr val="lt1"/>
+          </a:fontRef>
+        </p:style>
+        <p:txBody>
+          <a:bodyPr wrap="square" lIns="91440" tIns="45720" rIns="91440" bIns="45720" anchor="ctr">
+            <a:normAutofit fontScale="25000" lnSpcReduction="20000"/>
+          </a:bodyPr>
+          <a:lstStyle>
+            <a:defPPr>
+              <a:defRPr lang="zh-CN"/>
+            </a:defPPr>
+            <a:lvl1pPr marL="0" algn="l" defTabSz="914400" rtl="0" eaLnBrk="1" latinLnBrk="0" hangingPunct="1">
+              <a:defRPr sz="1800" kern="1200">
+                <a:solidFill>
+                  <a:schemeClr val="lt1"/>
+                </a:solidFill>
+              </a:defRPr>
+            </a:lvl1pPr>
+            <a:lvl2pPr marL="457200" algn="l" defTabSz="914400" rtl="0" eaLnBrk="1" latinLnBrk="0" hangingPunct="1">
+              <a:defRPr sz="1800" kern="1200">
+                <a:solidFill>
+                  <a:schemeClr val="lt1"/>
+                </a:solidFill>
+              </a:defRPr>
+            </a:lvl2pPr>
+            <a:lvl3pPr marL="914400" algn="l" defTabSz="914400" rtl="0" eaLnBrk="1" latinLnBrk="0" hangingPunct="1">
+              <a:defRPr sz="1800" kern="1200">
+                <a:solidFill>
+                  <a:schemeClr val="lt1"/>
+                </a:solidFill>
+              </a:defRPr>
+            </a:lvl3pPr>
+            <a:lvl4pPr marL="1371600" algn="l" defTabSz="914400" rtl="0" eaLnBrk="1" latinLnBrk="0" hangingPunct="1">
+              <a:defRPr sz="1800" kern="1200">
+                <a:solidFill>
+                  <a:schemeClr val="lt1"/>
+                </a:solidFill>
+              </a:defRPr>
+            </a:lvl4pPr>
+            <a:lvl5pPr marL="1828800" algn="l" defTabSz="914400" rtl="0" eaLnBrk="1" latinLnBrk="0" hangingPunct="1">
+              <a:defRPr sz="1800" kern="1200">
+                <a:solidFill>
+                  <a:schemeClr val="lt1"/>
+                </a:solidFill>
+              </a:defRPr>
+            </a:lvl5pPr>
+            <a:lvl6pPr marL="2286000" algn="l" defTabSz="914400" rtl="0" eaLnBrk="1" latinLnBrk="0" hangingPunct="1">
+              <a:defRPr sz="1800" kern="1200">
+                <a:solidFill>
+                  <a:schemeClr val="lt1"/>
+                </a:solidFill>
+              </a:defRPr>
+            </a:lvl6pPr>
+            <a:lvl7pPr marL="2743200" algn="l" defTabSz="914400" rtl="0" eaLnBrk="1" latinLnBrk="0" hangingPunct="1">
+              <a:defRPr sz="1800" kern="1200">
+                <a:solidFill>
+                  <a:schemeClr val="lt1"/>
+                </a:solidFill>
+              </a:defRPr>
+            </a:lvl7pPr>
+            <a:lvl8pPr marL="3200400" algn="l" defTabSz="914400" rtl="0" eaLnBrk="1" latinLnBrk="0" hangingPunct="1">
+              <a:defRPr sz="1800" kern="1200">
+                <a:solidFill>
+                  <a:schemeClr val="lt1"/>
+                </a:solidFill>
+              </a:defRPr>
+            </a:lvl8pPr>
+            <a:lvl9pPr marL="3657600" algn="l" defTabSz="914400" rtl="0" eaLnBrk="1" latinLnBrk="0" hangingPunct="1">
+              <a:defRPr sz="1800" kern="1200">
+                <a:solidFill>
+                  <a:schemeClr val="lt1"/>
+                </a:solidFill>
+              </a:defRPr>
+            </a:lvl9pPr>
+          </a:lstStyle>
+          <a:p>
+            <a:pPr algn="ctr"/>
+          </a:p>
+        </p:txBody>
+      </p:sp>
+      <p:sp>
+        <p:nvSpPr>
+          <p:cNvPr id="50" name="椭圆 49"/>
+          <p:cNvSpPr/>
+          <p:nvPr/>
+        </p:nvSpPr>
+        <p:spPr>
+          <a:xfrm>
+            <a:off x="5635225" y="2794906"/>
+            <a:ext cx="169370" cy="169370"/>
+          </a:xfrm>
+          <a:prstGeom prst="ellipse">
+            <a:avLst/>
+          </a:prstGeom>
+          <a:solidFill>
+            <a:schemeClr val="bg1">
+              <a:lumMod val="50000"/>
+            </a:schemeClr>
+          </a:solidFill>
+          <a:ln w="76200">
+            <a:noFill/>
+          </a:ln>
+        </p:spPr>
+        <p:style>
+          <a:lnRef idx="2">
+            <a:schemeClr val="accent1">
+              <a:shade val="50000"/>
+            </a:schemeClr>
+          </a:lnRef>
+          <a:fillRef idx="1">
+            <a:schemeClr val="accent1"/>
+          </a:fillRef>
+          <a:effectRef idx="0">
+            <a:schemeClr val="accent1"/>
+          </a:effectRef>
+          <a:fontRef idx="minor">
+            <a:schemeClr val="lt1"/>
+          </a:fontRef>
+        </p:style>
+        <p:txBody>
+          <a:bodyPr wrap="square" lIns="91440" tIns="45720" rIns="91440" bIns="45720" anchor="ctr">
+            <a:normAutofit fontScale="25000" lnSpcReduction="20000"/>
+          </a:bodyPr>
+          <a:lstStyle>
+            <a:defPPr>
+              <a:defRPr lang="zh-CN"/>
+            </a:defPPr>
+            <a:lvl1pPr marL="0" algn="l" defTabSz="914400" rtl="0" eaLnBrk="1" latinLnBrk="0" hangingPunct="1">
+              <a:defRPr sz="1800" kern="1200">
+                <a:solidFill>
+                  <a:schemeClr val="lt1"/>
+                </a:solidFill>
+              </a:defRPr>
+            </a:lvl1pPr>
+            <a:lvl2pPr marL="457200" algn="l" defTabSz="914400" rtl="0" eaLnBrk="1" latinLnBrk="0" hangingPunct="1">
+              <a:defRPr sz="1800" kern="1200">
+                <a:solidFill>
+                  <a:schemeClr val="lt1"/>
+                </a:solidFill>
+              </a:defRPr>
+            </a:lvl2pPr>
+            <a:lvl3pPr marL="914400" algn="l" defTabSz="914400" rtl="0" eaLnBrk="1" latinLnBrk="0" hangingPunct="1">
+              <a:defRPr sz="1800" kern="1200">
+                <a:solidFill>
+                  <a:schemeClr val="lt1"/>
+                </a:solidFill>
+              </a:defRPr>
+            </a:lvl3pPr>
+            <a:lvl4pPr marL="1371600" algn="l" defTabSz="914400" rtl="0" eaLnBrk="1" latinLnBrk="0" hangingPunct="1">
+              <a:defRPr sz="1800" kern="1200">
+                <a:solidFill>
+                  <a:schemeClr val="lt1"/>
+                </a:solidFill>
+              </a:defRPr>
+            </a:lvl4pPr>
+            <a:lvl5pPr marL="1828800" algn="l" defTabSz="914400" rtl="0" eaLnBrk="1" latinLnBrk="0" hangingPunct="1">
+              <a:defRPr sz="1800" kern="1200">
+                <a:solidFill>
+                  <a:schemeClr val="lt1"/>
+                </a:solidFill>
+              </a:defRPr>
+            </a:lvl5pPr>
+            <a:lvl6pPr marL="2286000" algn="l" defTabSz="914400" rtl="0" eaLnBrk="1" latinLnBrk="0" hangingPunct="1">
+              <a:defRPr sz="1800" kern="1200">
+                <a:solidFill>
+                  <a:schemeClr val="lt1"/>
+                </a:solidFill>
+              </a:defRPr>
+            </a:lvl6pPr>
+            <a:lvl7pPr marL="2743200" algn="l" defTabSz="914400" rtl="0" eaLnBrk="1" latinLnBrk="0" hangingPunct="1">
+              <a:defRPr sz="1800" kern="1200">
+                <a:solidFill>
+                  <a:schemeClr val="lt1"/>
+                </a:solidFill>
+              </a:defRPr>
+            </a:lvl7pPr>
+            <a:lvl8pPr marL="3200400" algn="l" defTabSz="914400" rtl="0" eaLnBrk="1" latinLnBrk="0" hangingPunct="1">
+              <a:defRPr sz="1800" kern="1200">
+                <a:solidFill>
+                  <a:schemeClr val="lt1"/>
+                </a:solidFill>
+              </a:defRPr>
+            </a:lvl8pPr>
+            <a:lvl9pPr marL="3657600" algn="l" defTabSz="914400" rtl="0" eaLnBrk="1" latinLnBrk="0" hangingPunct="1">
+              <a:defRPr sz="1800" kern="1200">
+                <a:solidFill>
+                  <a:schemeClr val="lt1"/>
+                </a:solidFill>
+              </a:defRPr>
+            </a:lvl9pPr>
+          </a:lstStyle>
+          <a:p>
+            <a:pPr algn="ctr"/>
+          </a:p>
+        </p:txBody>
+      </p:sp>
+      <p:sp>
+        <p:nvSpPr>
+          <p:cNvPr id="51" name="椭圆 50"/>
+          <p:cNvSpPr/>
+          <p:nvPr/>
+        </p:nvSpPr>
+        <p:spPr>
+          <a:xfrm>
+            <a:off x="6385169" y="2794906"/>
+            <a:ext cx="169370" cy="169370"/>
+          </a:xfrm>
+          <a:prstGeom prst="ellipse">
+            <a:avLst/>
+          </a:prstGeom>
+          <a:solidFill>
+            <a:schemeClr val="bg1">
+              <a:lumMod val="50000"/>
+            </a:schemeClr>
+          </a:solidFill>
+          <a:ln w="76200">
+            <a:noFill/>
+          </a:ln>
+        </p:spPr>
+        <p:style>
+          <a:lnRef idx="2">
+            <a:schemeClr val="accent1">
+              <a:shade val="50000"/>
+            </a:schemeClr>
+          </a:lnRef>
+          <a:fillRef idx="1">
+            <a:schemeClr val="accent1"/>
+          </a:fillRef>
+          <a:effectRef idx="0">
+            <a:schemeClr val="accent1"/>
+          </a:effectRef>
+          <a:fontRef idx="minor">
+            <a:schemeClr val="lt1"/>
+          </a:fontRef>
+        </p:style>
+        <p:txBody>
+          <a:bodyPr wrap="square" lIns="91440" tIns="45720" rIns="91440" bIns="45720" anchor="ctr">
+            <a:normAutofit fontScale="25000" lnSpcReduction="20000"/>
+          </a:bodyPr>
+          <a:lstStyle>
+            <a:defPPr>
+              <a:defRPr lang="zh-CN"/>
+            </a:defPPr>
+            <a:lvl1pPr marL="0" algn="l" defTabSz="914400" rtl="0" eaLnBrk="1" latinLnBrk="0" hangingPunct="1">
+              <a:defRPr sz="1800" kern="1200">
+                <a:solidFill>
+                  <a:schemeClr val="lt1"/>
+                </a:solidFill>
+              </a:defRPr>
+            </a:lvl1pPr>
+            <a:lvl2pPr marL="457200" algn="l" defTabSz="914400" rtl="0" eaLnBrk="1" latinLnBrk="0" hangingPunct="1">
+              <a:defRPr sz="1800" kern="1200">
+                <a:solidFill>
+                  <a:schemeClr val="lt1"/>
+                </a:solidFill>
+              </a:defRPr>
+            </a:lvl2pPr>
+            <a:lvl3pPr marL="914400" algn="l" defTabSz="914400" rtl="0" eaLnBrk="1" latinLnBrk="0" hangingPunct="1">
+              <a:defRPr sz="1800" kern="1200">
+                <a:solidFill>
+                  <a:schemeClr val="lt1"/>
+                </a:solidFill>
+              </a:defRPr>
+            </a:lvl3pPr>
+            <a:lvl4pPr marL="1371600" algn="l" defTabSz="914400" rtl="0" eaLnBrk="1" latinLnBrk="0" hangingPunct="1">
+              <a:defRPr sz="1800" kern="1200">
+                <a:solidFill>
+                  <a:schemeClr val="lt1"/>
+                </a:solidFill>
+              </a:defRPr>
+            </a:lvl4pPr>
+            <a:lvl5pPr marL="1828800" algn="l" defTabSz="914400" rtl="0" eaLnBrk="1" latinLnBrk="0" hangingPunct="1">
+              <a:defRPr sz="1800" kern="1200">
+                <a:solidFill>
+                  <a:schemeClr val="lt1"/>
+                </a:solidFill>
+              </a:defRPr>
+            </a:lvl5pPr>
+            <a:lvl6pPr marL="2286000" algn="l" defTabSz="914400" rtl="0" eaLnBrk="1" latinLnBrk="0" hangingPunct="1">
+              <a:defRPr sz="1800" kern="1200">
+                <a:solidFill>
+                  <a:schemeClr val="lt1"/>
+                </a:solidFill>
+              </a:defRPr>
+            </a:lvl6pPr>
+            <a:lvl7pPr marL="2743200" algn="l" defTabSz="914400" rtl="0" eaLnBrk="1" latinLnBrk="0" hangingPunct="1">
+              <a:defRPr sz="1800" kern="1200">
+                <a:solidFill>
+                  <a:schemeClr val="lt1"/>
+                </a:solidFill>
+              </a:defRPr>
+            </a:lvl7pPr>
+            <a:lvl8pPr marL="3200400" algn="l" defTabSz="914400" rtl="0" eaLnBrk="1" latinLnBrk="0" hangingPunct="1">
+              <a:defRPr sz="1800" kern="1200">
+                <a:solidFill>
+                  <a:schemeClr val="lt1"/>
+                </a:solidFill>
+              </a:defRPr>
+            </a:lvl8pPr>
+            <a:lvl9pPr marL="3657600" algn="l" defTabSz="914400" rtl="0" eaLnBrk="1" latinLnBrk="0" hangingPunct="1">
+              <a:defRPr sz="1800" kern="1200">
+                <a:solidFill>
+                  <a:schemeClr val="lt1"/>
+                </a:solidFill>
+              </a:defRPr>
+            </a:lvl9pPr>
+          </a:lstStyle>
+          <a:p>
+            <a:pPr algn="ctr"/>
+          </a:p>
+        </p:txBody>
+      </p:sp>
+      <p:sp>
+        <p:nvSpPr>
+          <p:cNvPr id="52" name="椭圆 51"/>
+          <p:cNvSpPr/>
+          <p:nvPr/>
+        </p:nvSpPr>
+        <p:spPr>
+          <a:xfrm>
+            <a:off x="6725802" y="2794906"/>
+            <a:ext cx="169370" cy="169370"/>
+          </a:xfrm>
+          <a:prstGeom prst="ellipse">
+            <a:avLst/>
+          </a:prstGeom>
+          <a:solidFill>
+            <a:schemeClr val="bg1">
+              <a:lumMod val="50000"/>
+            </a:schemeClr>
+          </a:solidFill>
+          <a:ln w="76200">
+            <a:noFill/>
+          </a:ln>
+        </p:spPr>
+        <p:style>
+          <a:lnRef idx="2">
+            <a:schemeClr val="accent1">
+              <a:shade val="50000"/>
+            </a:schemeClr>
+          </a:lnRef>
+          <a:fillRef idx="1">
+            <a:schemeClr val="accent1"/>
+          </a:fillRef>
+          <a:effectRef idx="0">
+            <a:schemeClr val="accent1"/>
+          </a:effectRef>
+          <a:fontRef idx="minor">
+            <a:schemeClr val="lt1"/>
+          </a:fontRef>
+        </p:style>
+        <p:txBody>
+          <a:bodyPr wrap="square" lIns="91440" tIns="45720" rIns="91440" bIns="45720" anchor="ctr">
+            <a:normAutofit fontScale="25000" lnSpcReduction="20000"/>
+          </a:bodyPr>
+          <a:lstStyle>
+            <a:defPPr>
+              <a:defRPr lang="zh-CN"/>
+            </a:defPPr>
+            <a:lvl1pPr marL="0" algn="l" defTabSz="914400" rtl="0" eaLnBrk="1" latinLnBrk="0" hangingPunct="1">
+              <a:defRPr sz="1800" kern="1200">
+                <a:solidFill>
+                  <a:schemeClr val="lt1"/>
+                </a:solidFill>
+              </a:defRPr>
+            </a:lvl1pPr>
+            <a:lvl2pPr marL="457200" algn="l" defTabSz="914400" rtl="0" eaLnBrk="1" latinLnBrk="0" hangingPunct="1">
+              <a:defRPr sz="1800" kern="1200">
+                <a:solidFill>
+                  <a:schemeClr val="lt1"/>
+                </a:solidFill>
+              </a:defRPr>
+            </a:lvl2pPr>
+            <a:lvl3pPr marL="914400" algn="l" defTabSz="914400" rtl="0" eaLnBrk="1" latinLnBrk="0" hangingPunct="1">
+              <a:defRPr sz="1800" kern="1200">
+                <a:solidFill>
+                  <a:schemeClr val="lt1"/>
+                </a:solidFill>
+              </a:defRPr>
+            </a:lvl3pPr>
+            <a:lvl4pPr marL="1371600" algn="l" defTabSz="914400" rtl="0" eaLnBrk="1" latinLnBrk="0" hangingPunct="1">
+              <a:defRPr sz="1800" kern="1200">
+                <a:solidFill>
+                  <a:schemeClr val="lt1"/>
+                </a:solidFill>
+              </a:defRPr>
+            </a:lvl4pPr>
+            <a:lvl5pPr marL="1828800" algn="l" defTabSz="914400" rtl="0" eaLnBrk="1" latinLnBrk="0" hangingPunct="1">
+              <a:defRPr sz="1800" kern="1200">
+                <a:solidFill>
+                  <a:schemeClr val="lt1"/>
+                </a:solidFill>
+              </a:defRPr>
+            </a:lvl5pPr>
+            <a:lvl6pPr marL="2286000" algn="l" defTabSz="914400" rtl="0" eaLnBrk="1" latinLnBrk="0" hangingPunct="1">
+              <a:defRPr sz="1800" kern="1200">
+                <a:solidFill>
+                  <a:schemeClr val="lt1"/>
+                </a:solidFill>
+              </a:defRPr>
+            </a:lvl6pPr>
+            <a:lvl7pPr marL="2743200" algn="l" defTabSz="914400" rtl="0" eaLnBrk="1" latinLnBrk="0" hangingPunct="1">
+              <a:defRPr sz="1800" kern="1200">
+                <a:solidFill>
+                  <a:schemeClr val="lt1"/>
+                </a:solidFill>
+              </a:defRPr>
+            </a:lvl7pPr>
+            <a:lvl8pPr marL="3200400" algn="l" defTabSz="914400" rtl="0" eaLnBrk="1" latinLnBrk="0" hangingPunct="1">
+              <a:defRPr sz="1800" kern="1200">
+                <a:solidFill>
+                  <a:schemeClr val="lt1"/>
+                </a:solidFill>
+              </a:defRPr>
+            </a:lvl8pPr>
+            <a:lvl9pPr marL="3657600" algn="l" defTabSz="914400" rtl="0" eaLnBrk="1" latinLnBrk="0" hangingPunct="1">
+              <a:defRPr sz="1800" kern="1200">
+                <a:solidFill>
+                  <a:schemeClr val="lt1"/>
+                </a:solidFill>
+              </a:defRPr>
+            </a:lvl9pPr>
+          </a:lstStyle>
+          <a:p>
+            <a:pPr algn="ctr"/>
+          </a:p>
+        </p:txBody>
+      </p:sp>
+      <p:sp>
+        <p:nvSpPr>
+          <p:cNvPr id="53" name="矩形: 圆角 52"/>
+          <p:cNvSpPr/>
+          <p:nvPr/>
+        </p:nvSpPr>
+        <p:spPr>
+          <a:xfrm>
+            <a:off x="5330737" y="2278534"/>
+            <a:ext cx="97077" cy="632038"/>
+          </a:xfrm>
+          <a:prstGeom prst="roundRect">
+            <a:avLst>
+              <a:gd name="adj" fmla="val 50000"/>
+            </a:avLst>
+          </a:prstGeom>
+          <a:solidFill>
+            <a:schemeClr val="bg1">
+              <a:lumMod val="85000"/>
+            </a:schemeClr>
+          </a:solidFill>
+          <a:ln w="76200">
+            <a:noFill/>
+          </a:ln>
+        </p:spPr>
+        <p:style>
+          <a:lnRef idx="2">
+            <a:schemeClr val="accent1">
+              <a:shade val="50000"/>
+            </a:schemeClr>
+          </a:lnRef>
+          <a:fillRef idx="1">
+            <a:schemeClr val="accent1"/>
+          </a:fillRef>
+          <a:effectRef idx="0">
+            <a:schemeClr val="accent1"/>
+          </a:effectRef>
+          <a:fontRef idx="minor">
+            <a:schemeClr val="lt1"/>
+          </a:fontRef>
+        </p:style>
+        <p:txBody>
+          <a:bodyPr wrap="square" lIns="91440" tIns="45720" rIns="91440" bIns="45720" anchor="ctr">
+            <a:normAutofit/>
+          </a:bodyPr>
+          <a:lstStyle>
+            <a:defPPr>
+              <a:defRPr lang="zh-CN"/>
+            </a:defPPr>
+            <a:lvl1pPr marL="0" algn="l" defTabSz="914400" rtl="0" eaLnBrk="1" latinLnBrk="0" hangingPunct="1">
+              <a:defRPr sz="1800" kern="1200">
+                <a:solidFill>
+                  <a:schemeClr val="lt1"/>
+                </a:solidFill>
+              </a:defRPr>
+            </a:lvl1pPr>
+            <a:lvl2pPr marL="457200" algn="l" defTabSz="914400" rtl="0" eaLnBrk="1" latinLnBrk="0" hangingPunct="1">
+              <a:defRPr sz="1800" kern="1200">
+                <a:solidFill>
+                  <a:schemeClr val="lt1"/>
+                </a:solidFill>
+              </a:defRPr>
+            </a:lvl2pPr>
+            <a:lvl3pPr marL="914400" algn="l" defTabSz="914400" rtl="0" eaLnBrk="1" latinLnBrk="0" hangingPunct="1">
+              <a:defRPr sz="1800" kern="1200">
+                <a:solidFill>
+                  <a:schemeClr val="lt1"/>
+                </a:solidFill>
+              </a:defRPr>
+            </a:lvl3pPr>
+            <a:lvl4pPr marL="1371600" algn="l" defTabSz="914400" rtl="0" eaLnBrk="1" latinLnBrk="0" hangingPunct="1">
+              <a:defRPr sz="1800" kern="1200">
+                <a:solidFill>
+                  <a:schemeClr val="lt1"/>
+                </a:solidFill>
+              </a:defRPr>
+            </a:lvl4pPr>
+            <a:lvl5pPr marL="1828800" algn="l" defTabSz="914400" rtl="0" eaLnBrk="1" latinLnBrk="0" hangingPunct="1">
+              <a:defRPr sz="1800" kern="1200">
+                <a:solidFill>
+                  <a:schemeClr val="lt1"/>
+                </a:solidFill>
+              </a:defRPr>
+            </a:lvl5pPr>
+            <a:lvl6pPr marL="2286000" algn="l" defTabSz="914400" rtl="0" eaLnBrk="1" latinLnBrk="0" hangingPunct="1">
+              <a:defRPr sz="1800" kern="1200">
+                <a:solidFill>
+                  <a:schemeClr val="lt1"/>
+                </a:solidFill>
+              </a:defRPr>
+            </a:lvl6pPr>
+            <a:lvl7pPr marL="2743200" algn="l" defTabSz="914400" rtl="0" eaLnBrk="1" latinLnBrk="0" hangingPunct="1">
+              <a:defRPr sz="1800" kern="1200">
+                <a:solidFill>
+                  <a:schemeClr val="lt1"/>
+                </a:solidFill>
+              </a:defRPr>
+            </a:lvl7pPr>
+            <a:lvl8pPr marL="3200400" algn="l" defTabSz="914400" rtl="0" eaLnBrk="1" latinLnBrk="0" hangingPunct="1">
+              <a:defRPr sz="1800" kern="1200">
+                <a:solidFill>
+                  <a:schemeClr val="lt1"/>
+                </a:solidFill>
+              </a:defRPr>
+            </a:lvl8pPr>
+            <a:lvl9pPr marL="3657600" algn="l" defTabSz="914400" rtl="0" eaLnBrk="1" latinLnBrk="0" hangingPunct="1">
+              <a:defRPr sz="1800" kern="1200">
+                <a:solidFill>
+                  <a:schemeClr val="lt1"/>
+                </a:solidFill>
+              </a:defRPr>
+            </a:lvl9pPr>
+          </a:lstStyle>
+          <a:p>
+            <a:pPr algn="ctr"/>
+          </a:p>
+        </p:txBody>
+      </p:sp>
+      <p:sp>
+        <p:nvSpPr>
+          <p:cNvPr id="54" name="矩形: 圆角 53"/>
+          <p:cNvSpPr/>
+          <p:nvPr/>
+        </p:nvSpPr>
+        <p:spPr>
+          <a:xfrm>
+            <a:off x="5671371" y="2278534"/>
+            <a:ext cx="97077" cy="632038"/>
+          </a:xfrm>
+          <a:prstGeom prst="roundRect">
+            <a:avLst>
+              <a:gd name="adj" fmla="val 50000"/>
+            </a:avLst>
+          </a:prstGeom>
+          <a:solidFill>
+            <a:schemeClr val="bg1">
+              <a:lumMod val="85000"/>
+            </a:schemeClr>
+          </a:solidFill>
+          <a:ln w="76200">
+            <a:noFill/>
+          </a:ln>
+        </p:spPr>
+        <p:style>
+          <a:lnRef idx="2">
+            <a:schemeClr val="accent1">
+              <a:shade val="50000"/>
+            </a:schemeClr>
+          </a:lnRef>
+          <a:fillRef idx="1">
+            <a:schemeClr val="accent1"/>
+          </a:fillRef>
+          <a:effectRef idx="0">
+            <a:schemeClr val="accent1"/>
+          </a:effectRef>
+          <a:fontRef idx="minor">
+            <a:schemeClr val="lt1"/>
+          </a:fontRef>
+        </p:style>
+        <p:txBody>
+          <a:bodyPr wrap="square" lIns="91440" tIns="45720" rIns="91440" bIns="45720" anchor="ctr">
+            <a:normAutofit/>
+          </a:bodyPr>
+          <a:lstStyle>
+            <a:defPPr>
+              <a:defRPr lang="zh-CN"/>
+            </a:defPPr>
+            <a:lvl1pPr marL="0" algn="l" defTabSz="914400" rtl="0" eaLnBrk="1" latinLnBrk="0" hangingPunct="1">
+              <a:defRPr sz="1800" kern="1200">
+                <a:solidFill>
+                  <a:schemeClr val="lt1"/>
+                </a:solidFill>
+              </a:defRPr>
+            </a:lvl1pPr>
+            <a:lvl2pPr marL="457200" algn="l" defTabSz="914400" rtl="0" eaLnBrk="1" latinLnBrk="0" hangingPunct="1">
+              <a:defRPr sz="1800" kern="1200">
+                <a:solidFill>
+                  <a:schemeClr val="lt1"/>
+                </a:solidFill>
+              </a:defRPr>
+            </a:lvl2pPr>
+            <a:lvl3pPr marL="914400" algn="l" defTabSz="914400" rtl="0" eaLnBrk="1" latinLnBrk="0" hangingPunct="1">
+              <a:defRPr sz="1800" kern="1200">
+                <a:solidFill>
+                  <a:schemeClr val="lt1"/>
+                </a:solidFill>
+              </a:defRPr>
+            </a:lvl3pPr>
+            <a:lvl4pPr marL="1371600" algn="l" defTabSz="914400" rtl="0" eaLnBrk="1" latinLnBrk="0" hangingPunct="1">
+              <a:defRPr sz="1800" kern="1200">
+                <a:solidFill>
+                  <a:schemeClr val="lt1"/>
+                </a:solidFill>
+              </a:defRPr>
+            </a:lvl4pPr>
+            <a:lvl5pPr marL="1828800" algn="l" defTabSz="914400" rtl="0" eaLnBrk="1" latinLnBrk="0" hangingPunct="1">
+              <a:defRPr sz="1800" kern="1200">
+                <a:solidFill>
+                  <a:schemeClr val="lt1"/>
+                </a:solidFill>
+              </a:defRPr>
+            </a:lvl5pPr>
+            <a:lvl6pPr marL="2286000" algn="l" defTabSz="914400" rtl="0" eaLnBrk="1" latinLnBrk="0" hangingPunct="1">
+              <a:defRPr sz="1800" kern="1200">
+                <a:solidFill>
+                  <a:schemeClr val="lt1"/>
+                </a:solidFill>
+              </a:defRPr>
+            </a:lvl6pPr>
+            <a:lvl7pPr marL="2743200" algn="l" defTabSz="914400" rtl="0" eaLnBrk="1" latinLnBrk="0" hangingPunct="1">
+              <a:defRPr sz="1800" kern="1200">
+                <a:solidFill>
+                  <a:schemeClr val="lt1"/>
+                </a:solidFill>
+              </a:defRPr>
+            </a:lvl7pPr>
+            <a:lvl8pPr marL="3200400" algn="l" defTabSz="914400" rtl="0" eaLnBrk="1" latinLnBrk="0" hangingPunct="1">
+              <a:defRPr sz="1800" kern="1200">
+                <a:solidFill>
+                  <a:schemeClr val="lt1"/>
+                </a:solidFill>
+              </a:defRPr>
+            </a:lvl8pPr>
+            <a:lvl9pPr marL="3657600" algn="l" defTabSz="914400" rtl="0" eaLnBrk="1" latinLnBrk="0" hangingPunct="1">
+              <a:defRPr sz="1800" kern="1200">
+                <a:solidFill>
+                  <a:schemeClr val="lt1"/>
+                </a:solidFill>
+              </a:defRPr>
+            </a:lvl9pPr>
+          </a:lstStyle>
+          <a:p>
+            <a:pPr algn="ctr"/>
+          </a:p>
+        </p:txBody>
+      </p:sp>
+      <p:sp>
+        <p:nvSpPr>
+          <p:cNvPr id="55" name="矩形: 圆角 54"/>
+          <p:cNvSpPr/>
+          <p:nvPr/>
+        </p:nvSpPr>
+        <p:spPr>
+          <a:xfrm>
+            <a:off x="6421315" y="2278534"/>
+            <a:ext cx="97077" cy="632038"/>
+          </a:xfrm>
+          <a:prstGeom prst="roundRect">
+            <a:avLst>
+              <a:gd name="adj" fmla="val 50000"/>
+            </a:avLst>
+          </a:prstGeom>
+          <a:solidFill>
+            <a:schemeClr val="bg1">
+              <a:lumMod val="85000"/>
+            </a:schemeClr>
+          </a:solidFill>
+          <a:ln w="76200">
+            <a:noFill/>
+          </a:ln>
+        </p:spPr>
+        <p:style>
+          <a:lnRef idx="2">
+            <a:schemeClr val="accent1">
+              <a:shade val="50000"/>
+            </a:schemeClr>
+          </a:lnRef>
+          <a:fillRef idx="1">
+            <a:schemeClr val="accent1"/>
+          </a:fillRef>
+          <a:effectRef idx="0">
+            <a:schemeClr val="accent1"/>
+          </a:effectRef>
+          <a:fontRef idx="minor">
+            <a:schemeClr val="lt1"/>
+          </a:fontRef>
+        </p:style>
+        <p:txBody>
+          <a:bodyPr wrap="square" lIns="91440" tIns="45720" rIns="91440" bIns="45720" anchor="ctr">
+            <a:normAutofit/>
+          </a:bodyPr>
+          <a:lstStyle>
+            <a:defPPr>
+              <a:defRPr lang="zh-CN"/>
+            </a:defPPr>
+            <a:lvl1pPr marL="0" algn="l" defTabSz="914400" rtl="0" eaLnBrk="1" latinLnBrk="0" hangingPunct="1">
+              <a:defRPr sz="1800" kern="1200">
+                <a:solidFill>
+                  <a:schemeClr val="lt1"/>
+                </a:solidFill>
+              </a:defRPr>
+            </a:lvl1pPr>
+            <a:lvl2pPr marL="457200" algn="l" defTabSz="914400" rtl="0" eaLnBrk="1" latinLnBrk="0" hangingPunct="1">
+              <a:defRPr sz="1800" kern="1200">
+                <a:solidFill>
+                  <a:schemeClr val="lt1"/>
+                </a:solidFill>
+              </a:defRPr>
+            </a:lvl2pPr>
+            <a:lvl3pPr marL="914400" algn="l" defTabSz="914400" rtl="0" eaLnBrk="1" latinLnBrk="0" hangingPunct="1">
+              <a:defRPr sz="1800" kern="1200">
+                <a:solidFill>
+                  <a:schemeClr val="lt1"/>
+                </a:solidFill>
+              </a:defRPr>
+            </a:lvl3pPr>
+            <a:lvl4pPr marL="1371600" algn="l" defTabSz="914400" rtl="0" eaLnBrk="1" latinLnBrk="0" hangingPunct="1">
+              <a:defRPr sz="1800" kern="1200">
+                <a:solidFill>
+                  <a:schemeClr val="lt1"/>
+                </a:solidFill>
+              </a:defRPr>
+            </a:lvl4pPr>
+            <a:lvl5pPr marL="1828800" algn="l" defTabSz="914400" rtl="0" eaLnBrk="1" latinLnBrk="0" hangingPunct="1">
+              <a:defRPr sz="1800" kern="1200">
+                <a:solidFill>
+                  <a:schemeClr val="lt1"/>
+                </a:solidFill>
+              </a:defRPr>
+            </a:lvl5pPr>
+            <a:lvl6pPr marL="2286000" algn="l" defTabSz="914400" rtl="0" eaLnBrk="1" latinLnBrk="0" hangingPunct="1">
+              <a:defRPr sz="1800" kern="1200">
+                <a:solidFill>
+                  <a:schemeClr val="lt1"/>
+                </a:solidFill>
+              </a:defRPr>
+            </a:lvl6pPr>
+            <a:lvl7pPr marL="2743200" algn="l" defTabSz="914400" rtl="0" eaLnBrk="1" latinLnBrk="0" hangingPunct="1">
+              <a:defRPr sz="1800" kern="1200">
+                <a:solidFill>
+                  <a:schemeClr val="lt1"/>
+                </a:solidFill>
+              </a:defRPr>
+            </a:lvl7pPr>
+            <a:lvl8pPr marL="3200400" algn="l" defTabSz="914400" rtl="0" eaLnBrk="1" latinLnBrk="0" hangingPunct="1">
+              <a:defRPr sz="1800" kern="1200">
+                <a:solidFill>
+                  <a:schemeClr val="lt1"/>
+                </a:solidFill>
+              </a:defRPr>
+            </a:lvl8pPr>
+            <a:lvl9pPr marL="3657600" algn="l" defTabSz="914400" rtl="0" eaLnBrk="1" latinLnBrk="0" hangingPunct="1">
+              <a:defRPr sz="1800" kern="1200">
+                <a:solidFill>
+                  <a:schemeClr val="lt1"/>
+                </a:solidFill>
+              </a:defRPr>
+            </a:lvl9pPr>
+          </a:lstStyle>
+          <a:p>
+            <a:pPr algn="ctr"/>
+          </a:p>
+        </p:txBody>
+      </p:sp>
+      <p:sp>
+        <p:nvSpPr>
+          <p:cNvPr id="56" name="矩形: 圆角 55"/>
+          <p:cNvSpPr/>
+          <p:nvPr/>
+        </p:nvSpPr>
+        <p:spPr>
+          <a:xfrm>
+            <a:off x="6761948" y="2278534"/>
+            <a:ext cx="97077" cy="632038"/>
+          </a:xfrm>
+          <a:prstGeom prst="roundRect">
+            <a:avLst>
+              <a:gd name="adj" fmla="val 50000"/>
+            </a:avLst>
+          </a:prstGeom>
+          <a:solidFill>
+            <a:schemeClr val="bg1">
+              <a:lumMod val="85000"/>
+            </a:schemeClr>
+          </a:solidFill>
+          <a:ln w="76200">
+            <a:noFill/>
+          </a:ln>
+        </p:spPr>
+        <p:style>
+          <a:lnRef idx="2">
+            <a:schemeClr val="accent1">
+              <a:shade val="50000"/>
+            </a:schemeClr>
+          </a:lnRef>
+          <a:fillRef idx="1">
+            <a:schemeClr val="accent1"/>
+          </a:fillRef>
+          <a:effectRef idx="0">
+            <a:schemeClr val="accent1"/>
+          </a:effectRef>
+          <a:fontRef idx="minor">
+            <a:schemeClr val="lt1"/>
+          </a:fontRef>
+        </p:style>
+        <p:txBody>
+          <a:bodyPr wrap="square" lIns="91440" tIns="45720" rIns="91440" bIns="45720" anchor="ctr">
+            <a:normAutofit/>
+          </a:bodyPr>
+          <a:lstStyle>
+            <a:defPPr>
+              <a:defRPr lang="zh-CN"/>
+            </a:defPPr>
+            <a:lvl1pPr marL="0" algn="l" defTabSz="914400" rtl="0" eaLnBrk="1" latinLnBrk="0" hangingPunct="1">
+              <a:defRPr sz="1800" kern="1200">
+                <a:solidFill>
+                  <a:schemeClr val="lt1"/>
+                </a:solidFill>
+              </a:defRPr>
+            </a:lvl1pPr>
+            <a:lvl2pPr marL="457200" algn="l" defTabSz="914400" rtl="0" eaLnBrk="1" latinLnBrk="0" hangingPunct="1">
+              <a:defRPr sz="1800" kern="1200">
+                <a:solidFill>
+                  <a:schemeClr val="lt1"/>
+                </a:solidFill>
+              </a:defRPr>
+            </a:lvl2pPr>
+            <a:lvl3pPr marL="914400" algn="l" defTabSz="914400" rtl="0" eaLnBrk="1" latinLnBrk="0" hangingPunct="1">
+              <a:defRPr sz="1800" kern="1200">
+                <a:solidFill>
+                  <a:schemeClr val="lt1"/>
+                </a:solidFill>
+              </a:defRPr>
+            </a:lvl3pPr>
+            <a:lvl4pPr marL="1371600" algn="l" defTabSz="914400" rtl="0" eaLnBrk="1" latinLnBrk="0" hangingPunct="1">
+              <a:defRPr sz="1800" kern="1200">
+                <a:solidFill>
+                  <a:schemeClr val="lt1"/>
+                </a:solidFill>
+              </a:defRPr>
+            </a:lvl4pPr>
+            <a:lvl5pPr marL="1828800" algn="l" defTabSz="914400" rtl="0" eaLnBrk="1" latinLnBrk="0" hangingPunct="1">
+              <a:defRPr sz="1800" kern="1200">
+                <a:solidFill>
+                  <a:schemeClr val="lt1"/>
+                </a:solidFill>
+              </a:defRPr>
+            </a:lvl5pPr>
+            <a:lvl6pPr marL="2286000" algn="l" defTabSz="914400" rtl="0" eaLnBrk="1" latinLnBrk="0" hangingPunct="1">
+              <a:defRPr sz="1800" kern="1200">
+                <a:solidFill>
+                  <a:schemeClr val="lt1"/>
+                </a:solidFill>
+              </a:defRPr>
+            </a:lvl6pPr>
+            <a:lvl7pPr marL="2743200" algn="l" defTabSz="914400" rtl="0" eaLnBrk="1" latinLnBrk="0" hangingPunct="1">
+              <a:defRPr sz="1800" kern="1200">
+                <a:solidFill>
+                  <a:schemeClr val="lt1"/>
+                </a:solidFill>
+              </a:defRPr>
+            </a:lvl7pPr>
+            <a:lvl8pPr marL="3200400" algn="l" defTabSz="914400" rtl="0" eaLnBrk="1" latinLnBrk="0" hangingPunct="1">
+              <a:defRPr sz="1800" kern="1200">
+                <a:solidFill>
+                  <a:schemeClr val="lt1"/>
+                </a:solidFill>
+              </a:defRPr>
+            </a:lvl8pPr>
+            <a:lvl9pPr marL="3657600" algn="l" defTabSz="914400" rtl="0" eaLnBrk="1" latinLnBrk="0" hangingPunct="1">
+              <a:defRPr sz="1800" kern="1200">
+                <a:solidFill>
+                  <a:schemeClr val="lt1"/>
+                </a:solidFill>
+              </a:defRPr>
+            </a:lvl9pPr>
+          </a:lstStyle>
+          <a:p>
+            <a:pPr algn="ctr"/>
+          </a:p>
+        </p:txBody>
+      </p:sp>
+      <p:sp>
+        <p:nvSpPr>
+          <p:cNvPr id="29" name="椭圆 28"/>
+          <p:cNvSpPr/>
+          <p:nvPr/>
+        </p:nvSpPr>
+        <p:spPr>
+          <a:xfrm>
+            <a:off x="5019709" y="3312721"/>
+            <a:ext cx="785418" cy="785418"/>
+          </a:xfrm>
+          <a:prstGeom prst="ellipse">
+            <a:avLst/>
+          </a:prstGeom>
+          <a:solidFill>
+            <a:schemeClr val="bg1">
+              <a:lumMod val="95000"/>
+            </a:schemeClr>
+          </a:solidFill>
+          <a:ln w="76200">
+            <a:noFill/>
+          </a:ln>
+        </p:spPr>
+        <p:style>
+          <a:lnRef idx="2">
+            <a:schemeClr val="accent1">
+              <a:shade val="50000"/>
+            </a:schemeClr>
+          </a:lnRef>
+          <a:fillRef idx="1">
+            <a:schemeClr val="accent1"/>
+          </a:fillRef>
+          <a:effectRef idx="0">
+            <a:schemeClr val="accent1"/>
+          </a:effectRef>
+          <a:fontRef idx="minor">
+            <a:schemeClr val="lt1"/>
+          </a:fontRef>
+        </p:style>
+        <p:txBody>
+          <a:bodyPr wrap="square" lIns="91440" tIns="45720" rIns="91440" bIns="45720" anchor="ctr">
+            <a:normAutofit/>
+          </a:bodyPr>
+          <a:lstStyle>
+            <a:defPPr>
+              <a:defRPr lang="zh-CN"/>
+            </a:defPPr>
+            <a:lvl1pPr marL="0" algn="l" defTabSz="914400" rtl="0" eaLnBrk="1" latinLnBrk="0" hangingPunct="1">
+              <a:defRPr sz="1800" kern="1200">
+                <a:solidFill>
+                  <a:schemeClr val="lt1"/>
+                </a:solidFill>
+              </a:defRPr>
+            </a:lvl1pPr>
+            <a:lvl2pPr marL="457200" algn="l" defTabSz="914400" rtl="0" eaLnBrk="1" latinLnBrk="0" hangingPunct="1">
+              <a:defRPr sz="1800" kern="1200">
+                <a:solidFill>
+                  <a:schemeClr val="lt1"/>
+                </a:solidFill>
+              </a:defRPr>
+            </a:lvl2pPr>
+            <a:lvl3pPr marL="914400" algn="l" defTabSz="914400" rtl="0" eaLnBrk="1" latinLnBrk="0" hangingPunct="1">
+              <a:defRPr sz="1800" kern="1200">
+                <a:solidFill>
+                  <a:schemeClr val="lt1"/>
+                </a:solidFill>
+              </a:defRPr>
+            </a:lvl3pPr>
+            <a:lvl4pPr marL="1371600" algn="l" defTabSz="914400" rtl="0" eaLnBrk="1" latinLnBrk="0" hangingPunct="1">
+              <a:defRPr sz="1800" kern="1200">
+                <a:solidFill>
+                  <a:schemeClr val="lt1"/>
+                </a:solidFill>
+              </a:defRPr>
+            </a:lvl4pPr>
+            <a:lvl5pPr marL="1828800" algn="l" defTabSz="914400" rtl="0" eaLnBrk="1" latinLnBrk="0" hangingPunct="1">
+              <a:defRPr sz="1800" kern="1200">
+                <a:solidFill>
+                  <a:schemeClr val="lt1"/>
+                </a:solidFill>
+              </a:defRPr>
+            </a:lvl5pPr>
+            <a:lvl6pPr marL="2286000" algn="l" defTabSz="914400" rtl="0" eaLnBrk="1" latinLnBrk="0" hangingPunct="1">
+              <a:defRPr sz="1800" kern="1200">
+                <a:solidFill>
+                  <a:schemeClr val="lt1"/>
+                </a:solidFill>
+              </a:defRPr>
+            </a:lvl6pPr>
+            <a:lvl7pPr marL="2743200" algn="l" defTabSz="914400" rtl="0" eaLnBrk="1" latinLnBrk="0" hangingPunct="1">
+              <a:defRPr sz="1800" kern="1200">
+                <a:solidFill>
+                  <a:schemeClr val="lt1"/>
+                </a:solidFill>
+              </a:defRPr>
+            </a:lvl7pPr>
+            <a:lvl8pPr marL="3200400" algn="l" defTabSz="914400" rtl="0" eaLnBrk="1" latinLnBrk="0" hangingPunct="1">
+              <a:defRPr sz="1800" kern="1200">
+                <a:solidFill>
+                  <a:schemeClr val="lt1"/>
+                </a:solidFill>
+              </a:defRPr>
+            </a:lvl8pPr>
+            <a:lvl9pPr marL="3657600" algn="l" defTabSz="914400" rtl="0" eaLnBrk="1" latinLnBrk="0" hangingPunct="1">
+              <a:defRPr sz="1800" kern="1200">
+                <a:solidFill>
+                  <a:schemeClr val="lt1"/>
+                </a:solidFill>
+              </a:defRPr>
+            </a:lvl9pPr>
+          </a:lstStyle>
+          <a:p>
+            <a:pPr algn="ctr"/>
+            <a:endParaRPr dirty="0"/>
+          </a:p>
+        </p:txBody>
+      </p:sp>
+      <p:sp>
+        <p:nvSpPr>
+          <p:cNvPr id="30" name="椭圆 29"/>
+          <p:cNvSpPr/>
+          <p:nvPr/>
+        </p:nvSpPr>
+        <p:spPr>
+          <a:xfrm>
+            <a:off x="6386872" y="3312721"/>
+            <a:ext cx="785418" cy="785418"/>
+          </a:xfrm>
+          <a:prstGeom prst="ellipse">
+            <a:avLst/>
+          </a:prstGeom>
+          <a:solidFill>
+            <a:schemeClr val="bg1">
+              <a:lumMod val="95000"/>
+            </a:schemeClr>
+          </a:solidFill>
+          <a:ln w="76200">
+            <a:noFill/>
+          </a:ln>
+        </p:spPr>
+        <p:style>
+          <a:lnRef idx="2">
+            <a:schemeClr val="accent1">
+              <a:shade val="50000"/>
+            </a:schemeClr>
+          </a:lnRef>
+          <a:fillRef idx="1">
+            <a:schemeClr val="accent1"/>
+          </a:fillRef>
+          <a:effectRef idx="0">
+            <a:schemeClr val="accent1"/>
+          </a:effectRef>
+          <a:fontRef idx="minor">
+            <a:schemeClr val="lt1"/>
+          </a:fontRef>
+        </p:style>
+        <p:txBody>
+          <a:bodyPr wrap="square" lIns="91440" tIns="45720" rIns="91440" bIns="45720" anchor="ctr">
+            <a:normAutofit/>
+          </a:bodyPr>
+          <a:lstStyle>
+            <a:defPPr>
+              <a:defRPr lang="zh-CN"/>
+            </a:defPPr>
+            <a:lvl1pPr marL="0" algn="l" defTabSz="914400" rtl="0" eaLnBrk="1" latinLnBrk="0" hangingPunct="1">
+              <a:defRPr sz="1800" kern="1200">
+                <a:solidFill>
+                  <a:schemeClr val="lt1"/>
+                </a:solidFill>
+              </a:defRPr>
+            </a:lvl1pPr>
+            <a:lvl2pPr marL="457200" algn="l" defTabSz="914400" rtl="0" eaLnBrk="1" latinLnBrk="0" hangingPunct="1">
+              <a:defRPr sz="1800" kern="1200">
+                <a:solidFill>
+                  <a:schemeClr val="lt1"/>
+                </a:solidFill>
+              </a:defRPr>
+            </a:lvl2pPr>
+            <a:lvl3pPr marL="914400" algn="l" defTabSz="914400" rtl="0" eaLnBrk="1" latinLnBrk="0" hangingPunct="1">
+              <a:defRPr sz="1800" kern="1200">
+                <a:solidFill>
+                  <a:schemeClr val="lt1"/>
+                </a:solidFill>
+              </a:defRPr>
+            </a:lvl3pPr>
+            <a:lvl4pPr marL="1371600" algn="l" defTabSz="914400" rtl="0" eaLnBrk="1" latinLnBrk="0" hangingPunct="1">
+              <a:defRPr sz="1800" kern="1200">
+                <a:solidFill>
+                  <a:schemeClr val="lt1"/>
+                </a:solidFill>
+              </a:defRPr>
+            </a:lvl4pPr>
+            <a:lvl5pPr marL="1828800" algn="l" defTabSz="914400" rtl="0" eaLnBrk="1" latinLnBrk="0" hangingPunct="1">
+              <a:defRPr sz="1800" kern="1200">
+                <a:solidFill>
+                  <a:schemeClr val="lt1"/>
+                </a:solidFill>
+              </a:defRPr>
+            </a:lvl5pPr>
+            <a:lvl6pPr marL="2286000" algn="l" defTabSz="914400" rtl="0" eaLnBrk="1" latinLnBrk="0" hangingPunct="1">
+              <a:defRPr sz="1800" kern="1200">
+                <a:solidFill>
+                  <a:schemeClr val="lt1"/>
+                </a:solidFill>
+              </a:defRPr>
+            </a:lvl6pPr>
+            <a:lvl7pPr marL="2743200" algn="l" defTabSz="914400" rtl="0" eaLnBrk="1" latinLnBrk="0" hangingPunct="1">
+              <a:defRPr sz="1800" kern="1200">
+                <a:solidFill>
+                  <a:schemeClr val="lt1"/>
+                </a:solidFill>
+              </a:defRPr>
+            </a:lvl7pPr>
+            <a:lvl8pPr marL="3200400" algn="l" defTabSz="914400" rtl="0" eaLnBrk="1" latinLnBrk="0" hangingPunct="1">
+              <a:defRPr sz="1800" kern="1200">
+                <a:solidFill>
+                  <a:schemeClr val="lt1"/>
+                </a:solidFill>
+              </a:defRPr>
+            </a:lvl8pPr>
+            <a:lvl9pPr marL="3657600" algn="l" defTabSz="914400" rtl="0" eaLnBrk="1" latinLnBrk="0" hangingPunct="1">
+              <a:defRPr sz="1800" kern="1200">
+                <a:solidFill>
+                  <a:schemeClr val="lt1"/>
+                </a:solidFill>
+              </a:defRPr>
+            </a:lvl9pPr>
+          </a:lstStyle>
+          <a:p>
+            <a:pPr algn="ctr"/>
+            <a:endParaRPr dirty="0"/>
+          </a:p>
+        </p:txBody>
+      </p:sp>
+      <p:sp>
+        <p:nvSpPr>
+          <p:cNvPr id="31" name="椭圆 30"/>
+          <p:cNvSpPr/>
+          <p:nvPr/>
+        </p:nvSpPr>
+        <p:spPr>
+          <a:xfrm>
+            <a:off x="5623853" y="3233284"/>
+            <a:ext cx="944292" cy="944292"/>
+          </a:xfrm>
+          <a:prstGeom prst="ellipse">
+            <a:avLst/>
+          </a:prstGeom>
+          <a:solidFill>
+            <a:schemeClr val="accent1"/>
+          </a:solidFill>
+          <a:ln w="57150">
+            <a:solidFill>
+              <a:schemeClr val="bg1"/>
+            </a:solidFill>
+          </a:ln>
+        </p:spPr>
+        <p:style>
+          <a:lnRef idx="2">
+            <a:schemeClr val="accent1">
+              <a:shade val="50000"/>
+            </a:schemeClr>
+          </a:lnRef>
+          <a:fillRef idx="1">
+            <a:schemeClr val="accent1"/>
+          </a:fillRef>
+          <a:effectRef idx="0">
+            <a:schemeClr val="accent1"/>
+          </a:effectRef>
+          <a:fontRef idx="minor">
+            <a:schemeClr val="lt1"/>
+          </a:fontRef>
+        </p:style>
+        <p:txBody>
+          <a:bodyPr wrap="square" lIns="91440" tIns="45720" rIns="91440" bIns="45720" anchor="ctr">
+            <a:normAutofit/>
+          </a:bodyPr>
+          <a:lstStyle>
+            <a:defPPr>
+              <a:defRPr lang="zh-CN"/>
+            </a:defPPr>
+            <a:lvl1pPr marL="0" algn="l" defTabSz="914400" rtl="0" eaLnBrk="1" latinLnBrk="0" hangingPunct="1">
+              <a:defRPr sz="1800" kern="1200">
+                <a:solidFill>
+                  <a:schemeClr val="lt1"/>
+                </a:solidFill>
+              </a:defRPr>
+            </a:lvl1pPr>
+            <a:lvl2pPr marL="457200" algn="l" defTabSz="914400" rtl="0" eaLnBrk="1" latinLnBrk="0" hangingPunct="1">
+              <a:defRPr sz="1800" kern="1200">
+                <a:solidFill>
+                  <a:schemeClr val="lt1"/>
+                </a:solidFill>
+              </a:defRPr>
+            </a:lvl2pPr>
+            <a:lvl3pPr marL="914400" algn="l" defTabSz="914400" rtl="0" eaLnBrk="1" latinLnBrk="0" hangingPunct="1">
+              <a:defRPr sz="1800" kern="1200">
+                <a:solidFill>
+                  <a:schemeClr val="lt1"/>
+                </a:solidFill>
+              </a:defRPr>
+            </a:lvl3pPr>
+            <a:lvl4pPr marL="1371600" algn="l" defTabSz="914400" rtl="0" eaLnBrk="1" latinLnBrk="0" hangingPunct="1">
+              <a:defRPr sz="1800" kern="1200">
+                <a:solidFill>
+                  <a:schemeClr val="lt1"/>
+                </a:solidFill>
+              </a:defRPr>
+            </a:lvl4pPr>
+            <a:lvl5pPr marL="1828800" algn="l" defTabSz="914400" rtl="0" eaLnBrk="1" latinLnBrk="0" hangingPunct="1">
+              <a:defRPr sz="1800" kern="1200">
+                <a:solidFill>
+                  <a:schemeClr val="lt1"/>
+                </a:solidFill>
+              </a:defRPr>
+            </a:lvl5pPr>
+            <a:lvl6pPr marL="2286000" algn="l" defTabSz="914400" rtl="0" eaLnBrk="1" latinLnBrk="0" hangingPunct="1">
+              <a:defRPr sz="1800" kern="1200">
+                <a:solidFill>
+                  <a:schemeClr val="lt1"/>
+                </a:solidFill>
+              </a:defRPr>
+            </a:lvl6pPr>
+            <a:lvl7pPr marL="2743200" algn="l" defTabSz="914400" rtl="0" eaLnBrk="1" latinLnBrk="0" hangingPunct="1">
+              <a:defRPr sz="1800" kern="1200">
+                <a:solidFill>
+                  <a:schemeClr val="lt1"/>
+                </a:solidFill>
+              </a:defRPr>
+            </a:lvl7pPr>
+            <a:lvl8pPr marL="3200400" algn="l" defTabSz="914400" rtl="0" eaLnBrk="1" latinLnBrk="0" hangingPunct="1">
+              <a:defRPr sz="1800" kern="1200">
+                <a:solidFill>
+                  <a:schemeClr val="lt1"/>
+                </a:solidFill>
+              </a:defRPr>
+            </a:lvl8pPr>
+            <a:lvl9pPr marL="3657600" algn="l" defTabSz="914400" rtl="0" eaLnBrk="1" latinLnBrk="0" hangingPunct="1">
+              <a:defRPr sz="1800" kern="1200">
+                <a:solidFill>
+                  <a:schemeClr val="lt1"/>
+                </a:solidFill>
+              </a:defRPr>
+            </a:lvl9pPr>
+          </a:lstStyle>
+          <a:p>
+            <a:pPr algn="ctr"/>
+          </a:p>
+        </p:txBody>
+      </p:sp>
+      <p:sp>
+        <p:nvSpPr>
+          <p:cNvPr id="32" name="任意多边形: 形状 31"/>
+          <p:cNvSpPr/>
+          <p:nvPr/>
+        </p:nvSpPr>
+        <p:spPr bwMode="auto">
+          <a:xfrm>
+            <a:off x="5897953" y="3534650"/>
+            <a:ext cx="396092" cy="341560"/>
+          </a:xfrm>
+          <a:custGeom>
+            <a:avLst/>
+            <a:gdLst/>
+            <a:ahLst/>
+            <a:cxnLst>
+              <a:cxn ang="0">
+                <a:pos x="64" y="51"/>
+              </a:cxn>
+              <a:cxn ang="0">
+                <a:pos x="60" y="55"/>
+              </a:cxn>
+              <a:cxn ang="0">
+                <a:pos x="49" y="55"/>
+              </a:cxn>
+              <a:cxn ang="0">
+                <a:pos x="45" y="51"/>
+              </a:cxn>
+              <a:cxn ang="0">
+                <a:pos x="45" y="40"/>
+              </a:cxn>
+              <a:cxn ang="0">
+                <a:pos x="49" y="36"/>
+              </a:cxn>
+              <a:cxn ang="0">
+                <a:pos x="52" y="36"/>
+              </a:cxn>
+              <a:cxn ang="0">
+                <a:pos x="52" y="30"/>
+              </a:cxn>
+              <a:cxn ang="0">
+                <a:pos x="34" y="30"/>
+              </a:cxn>
+              <a:cxn ang="0">
+                <a:pos x="34" y="36"/>
+              </a:cxn>
+              <a:cxn ang="0">
+                <a:pos x="37" y="36"/>
+              </a:cxn>
+              <a:cxn ang="0">
+                <a:pos x="41" y="40"/>
+              </a:cxn>
+              <a:cxn ang="0">
+                <a:pos x="41" y="51"/>
+              </a:cxn>
+              <a:cxn ang="0">
+                <a:pos x="37" y="55"/>
+              </a:cxn>
+              <a:cxn ang="0">
+                <a:pos x="26" y="55"/>
+              </a:cxn>
+              <a:cxn ang="0">
+                <a:pos x="23" y="51"/>
+              </a:cxn>
+              <a:cxn ang="0">
+                <a:pos x="23" y="40"/>
+              </a:cxn>
+              <a:cxn ang="0">
+                <a:pos x="26" y="36"/>
+              </a:cxn>
+              <a:cxn ang="0">
+                <a:pos x="29" y="36"/>
+              </a:cxn>
+              <a:cxn ang="0">
+                <a:pos x="29" y="30"/>
+              </a:cxn>
+              <a:cxn ang="0">
+                <a:pos x="11" y="30"/>
+              </a:cxn>
+              <a:cxn ang="0">
+                <a:pos x="11" y="36"/>
+              </a:cxn>
+              <a:cxn ang="0">
+                <a:pos x="15" y="36"/>
+              </a:cxn>
+              <a:cxn ang="0">
+                <a:pos x="18" y="40"/>
+              </a:cxn>
+              <a:cxn ang="0">
+                <a:pos x="18" y="51"/>
+              </a:cxn>
+              <a:cxn ang="0">
+                <a:pos x="15" y="55"/>
+              </a:cxn>
+              <a:cxn ang="0">
+                <a:pos x="3" y="55"/>
+              </a:cxn>
+              <a:cxn ang="0">
+                <a:pos x="0" y="51"/>
+              </a:cxn>
+              <a:cxn ang="0">
+                <a:pos x="0" y="40"/>
+              </a:cxn>
+              <a:cxn ang="0">
+                <a:pos x="3" y="36"/>
+              </a:cxn>
+              <a:cxn ang="0">
+                <a:pos x="7" y="36"/>
+              </a:cxn>
+              <a:cxn ang="0">
+                <a:pos x="7" y="30"/>
+              </a:cxn>
+              <a:cxn ang="0">
+                <a:pos x="11" y="25"/>
+              </a:cxn>
+              <a:cxn ang="0">
+                <a:pos x="29" y="25"/>
+              </a:cxn>
+              <a:cxn ang="0">
+                <a:pos x="29" y="18"/>
+              </a:cxn>
+              <a:cxn ang="0">
+                <a:pos x="26" y="18"/>
+              </a:cxn>
+              <a:cxn ang="0">
+                <a:pos x="23" y="15"/>
+              </a:cxn>
+              <a:cxn ang="0">
+                <a:pos x="23" y="3"/>
+              </a:cxn>
+              <a:cxn ang="0">
+                <a:pos x="26" y="0"/>
+              </a:cxn>
+              <a:cxn ang="0">
+                <a:pos x="37" y="0"/>
+              </a:cxn>
+              <a:cxn ang="0">
+                <a:pos x="41" y="3"/>
+              </a:cxn>
+              <a:cxn ang="0">
+                <a:pos x="41" y="15"/>
+              </a:cxn>
+              <a:cxn ang="0">
+                <a:pos x="37" y="18"/>
+              </a:cxn>
+              <a:cxn ang="0">
+                <a:pos x="34" y="18"/>
+              </a:cxn>
+              <a:cxn ang="0">
+                <a:pos x="34" y="25"/>
+              </a:cxn>
+              <a:cxn ang="0">
+                <a:pos x="52" y="25"/>
+              </a:cxn>
+              <a:cxn ang="0">
+                <a:pos x="57" y="30"/>
+              </a:cxn>
+              <a:cxn ang="0">
+                <a:pos x="57" y="36"/>
+              </a:cxn>
+              <a:cxn ang="0">
+                <a:pos x="60" y="36"/>
+              </a:cxn>
+              <a:cxn ang="0">
+                <a:pos x="64" y="40"/>
+              </a:cxn>
+              <a:cxn ang="0">
+                <a:pos x="64" y="51"/>
+              </a:cxn>
+            </a:cxnLst>
+            <a:rect l="0" t="0" r="r" b="b"/>
+            <a:pathLst>
+              <a:path w="64" h="55">
+                <a:moveTo>
+                  <a:pt x="64" y="51"/>
+                </a:moveTo>
+                <a:cubicBezTo>
+                  <a:pt x="64" y="53"/>
+                  <a:pt x="62" y="55"/>
+                  <a:pt x="60" y="55"/>
+                </a:cubicBezTo>
+                <a:cubicBezTo>
+                  <a:pt x="49" y="55"/>
+                  <a:pt x="49" y="55"/>
+                  <a:pt x="49" y="55"/>
+                </a:cubicBezTo>
+                <a:cubicBezTo>
+                  <a:pt x="47" y="55"/>
+                  <a:pt x="45" y="53"/>
+                  <a:pt x="45" y="51"/>
+                </a:cubicBezTo>
+                <a:cubicBezTo>
+                  <a:pt x="45" y="40"/>
+                  <a:pt x="45" y="40"/>
+                  <a:pt x="45" y="40"/>
+                </a:cubicBezTo>
+                <a:cubicBezTo>
+                  <a:pt x="45" y="38"/>
+                  <a:pt x="47" y="36"/>
+                  <a:pt x="49" y="36"/>
+                </a:cubicBezTo>
+                <a:cubicBezTo>
+                  <a:pt x="52" y="36"/>
+                  <a:pt x="52" y="36"/>
+                  <a:pt x="52" y="36"/>
+                </a:cubicBezTo>
+                <a:cubicBezTo>
+                  <a:pt x="52" y="30"/>
+                  <a:pt x="52" y="30"/>
+                  <a:pt x="52" y="30"/>
+                </a:cubicBezTo>
+                <a:cubicBezTo>
+                  <a:pt x="34" y="30"/>
+                  <a:pt x="34" y="30"/>
+                  <a:pt x="34" y="30"/>
+                </a:cubicBezTo>
+                <a:cubicBezTo>
+                  <a:pt x="34" y="36"/>
+                  <a:pt x="34" y="36"/>
+                  <a:pt x="34" y="36"/>
+                </a:cubicBezTo>
+                <a:cubicBezTo>
+                  <a:pt x="37" y="36"/>
+                  <a:pt x="37" y="36"/>
+                  <a:pt x="37" y="36"/>
+                </a:cubicBezTo>
+                <a:cubicBezTo>
+                  <a:pt x="39" y="36"/>
+                  <a:pt x="41" y="38"/>
+                  <a:pt x="41" y="40"/>
+                </a:cubicBezTo>
+                <a:cubicBezTo>
+                  <a:pt x="41" y="51"/>
+                  <a:pt x="41" y="51"/>
+                  <a:pt x="41" y="51"/>
+                </a:cubicBezTo>
+                <a:cubicBezTo>
+                  <a:pt x="41" y="53"/>
+                  <a:pt x="39" y="55"/>
+                  <a:pt x="37" y="55"/>
+                </a:cubicBezTo>
+                <a:cubicBezTo>
+                  <a:pt x="26" y="55"/>
+                  <a:pt x="26" y="55"/>
+                  <a:pt x="26" y="55"/>
+                </a:cubicBezTo>
+                <a:cubicBezTo>
+                  <a:pt x="24" y="55"/>
+                  <a:pt x="23" y="53"/>
+                  <a:pt x="23" y="51"/>
+                </a:cubicBezTo>
+                <a:cubicBezTo>
+                  <a:pt x="23" y="40"/>
+                  <a:pt x="23" y="40"/>
+                  <a:pt x="23" y="40"/>
+                </a:cubicBezTo>
+                <a:cubicBezTo>
+                  <a:pt x="23" y="38"/>
+                  <a:pt x="24" y="36"/>
+                  <a:pt x="26" y="36"/>
+                </a:cubicBezTo>
+                <a:cubicBezTo>
+                  <a:pt x="29" y="36"/>
+                  <a:pt x="29" y="36"/>
+                  <a:pt x="29" y="36"/>
+                </a:cubicBezTo>
+                <a:cubicBezTo>
+                  <a:pt x="29" y="30"/>
+                  <a:pt x="29" y="30"/>
+                  <a:pt x="29" y="30"/>
+                </a:cubicBezTo>
+                <a:cubicBezTo>
+                  <a:pt x="11" y="30"/>
+                  <a:pt x="11" y="30"/>
+                  <a:pt x="11" y="30"/>
+                </a:cubicBezTo>
+                <a:cubicBezTo>
+                  <a:pt x="11" y="36"/>
+                  <a:pt x="11" y="36"/>
+                  <a:pt x="11" y="36"/>
+                </a:cubicBezTo>
+                <a:cubicBezTo>
+                  <a:pt x="15" y="36"/>
+                  <a:pt x="15" y="36"/>
+                  <a:pt x="15" y="36"/>
+                </a:cubicBezTo>
+                <a:cubicBezTo>
+                  <a:pt x="17" y="36"/>
+                  <a:pt x="18" y="38"/>
+                  <a:pt x="18" y="40"/>
+                </a:cubicBezTo>
+                <a:cubicBezTo>
+                  <a:pt x="18" y="51"/>
+                  <a:pt x="18" y="51"/>
+                  <a:pt x="18" y="51"/>
+                </a:cubicBezTo>
+                <a:cubicBezTo>
+                  <a:pt x="18" y="53"/>
+                  <a:pt x="17" y="55"/>
+                  <a:pt x="15" y="55"/>
+                </a:cubicBezTo>
+                <a:cubicBezTo>
+                  <a:pt x="3" y="55"/>
+                  <a:pt x="3" y="55"/>
+                  <a:pt x="3" y="55"/>
+                </a:cubicBezTo>
+                <a:cubicBezTo>
+                  <a:pt x="1" y="55"/>
+                  <a:pt x="0" y="53"/>
+                  <a:pt x="0" y="51"/>
+                </a:cubicBezTo>
+                <a:cubicBezTo>
+                  <a:pt x="0" y="40"/>
+                  <a:pt x="0" y="40"/>
+                  <a:pt x="0" y="40"/>
+                </a:cubicBezTo>
+                <a:cubicBezTo>
+                  <a:pt x="0" y="38"/>
+                  <a:pt x="1" y="36"/>
+                  <a:pt x="3" y="36"/>
+                </a:cubicBezTo>
+                <a:cubicBezTo>
+                  <a:pt x="7" y="36"/>
+                  <a:pt x="7" y="36"/>
+                  <a:pt x="7" y="36"/>
+                </a:cubicBezTo>
+                <a:cubicBezTo>
+                  <a:pt x="7" y="30"/>
+                  <a:pt x="7" y="30"/>
+                  <a:pt x="7" y="30"/>
+                </a:cubicBezTo>
+                <a:cubicBezTo>
+                  <a:pt x="7" y="27"/>
+                  <a:pt x="9" y="25"/>
+                  <a:pt x="11" y="25"/>
+                </a:cubicBezTo>
+                <a:cubicBezTo>
+                  <a:pt x="29" y="25"/>
+                  <a:pt x="29" y="25"/>
+                  <a:pt x="29" y="25"/>
+                </a:cubicBezTo>
+                <a:cubicBezTo>
+                  <a:pt x="29" y="18"/>
+                  <a:pt x="29" y="18"/>
+                  <a:pt x="29" y="18"/>
+                </a:cubicBezTo>
+                <a:cubicBezTo>
+                  <a:pt x="26" y="18"/>
+                  <a:pt x="26" y="18"/>
+                  <a:pt x="26" y="18"/>
+                </a:cubicBezTo>
+                <a:cubicBezTo>
+                  <a:pt x="24" y="18"/>
+                  <a:pt x="23" y="17"/>
+                  <a:pt x="23" y="15"/>
+                </a:cubicBezTo>
+                <a:cubicBezTo>
+                  <a:pt x="23" y="3"/>
+                  <a:pt x="23" y="3"/>
+                  <a:pt x="23" y="3"/>
+                </a:cubicBezTo>
+                <a:cubicBezTo>
+                  <a:pt x="23" y="1"/>
+                  <a:pt x="24" y="0"/>
+                  <a:pt x="26" y="0"/>
+                </a:cubicBezTo>
+                <a:cubicBezTo>
+                  <a:pt x="37" y="0"/>
+                  <a:pt x="37" y="0"/>
+                  <a:pt x="37" y="0"/>
+                </a:cubicBezTo>
+                <a:cubicBezTo>
+                  <a:pt x="39" y="0"/>
+                  <a:pt x="41" y="1"/>
+                  <a:pt x="41" y="3"/>
+                </a:cubicBezTo>
+                <a:cubicBezTo>
+                  <a:pt x="41" y="15"/>
+                  <a:pt x="41" y="15"/>
+                  <a:pt x="41" y="15"/>
+                </a:cubicBezTo>
+                <a:cubicBezTo>
+                  <a:pt x="41" y="17"/>
+                  <a:pt x="39" y="18"/>
+                  <a:pt x="37" y="18"/>
+                </a:cubicBezTo>
+                <a:cubicBezTo>
+                  <a:pt x="34" y="18"/>
+                  <a:pt x="34" y="18"/>
+                  <a:pt x="34" y="18"/>
+                </a:cubicBezTo>
+                <a:cubicBezTo>
+                  <a:pt x="34" y="25"/>
+                  <a:pt x="34" y="25"/>
+                  <a:pt x="34" y="25"/>
+                </a:cubicBezTo>
+                <a:cubicBezTo>
+                  <a:pt x="52" y="25"/>
+                  <a:pt x="52" y="25"/>
+                  <a:pt x="52" y="25"/>
+                </a:cubicBezTo>
+                <a:cubicBezTo>
+                  <a:pt x="55" y="25"/>
+                  <a:pt x="57" y="27"/>
+                  <a:pt x="57" y="30"/>
+                </a:cubicBezTo>
+                <a:cubicBezTo>
+                  <a:pt x="57" y="36"/>
+                  <a:pt x="57" y="36"/>
+                  <a:pt x="57" y="36"/>
+                </a:cubicBezTo>
+                <a:cubicBezTo>
+                  <a:pt x="60" y="36"/>
+                  <a:pt x="60" y="36"/>
+                  <a:pt x="60" y="36"/>
+                </a:cubicBezTo>
+                <a:cubicBezTo>
+                  <a:pt x="62" y="36"/>
+                  <a:pt x="64" y="38"/>
+                  <a:pt x="64" y="40"/>
+                </a:cubicBezTo>
+                <a:lnTo>
+                  <a:pt x="64" y="51"/>
+                </a:lnTo>
+                <a:close/>
+              </a:path>
+            </a:pathLst>
+          </a:custGeom>
+          <a:solidFill>
+            <a:schemeClr val="bg1"/>
+          </a:solidFill>
+          <a:ln w="9525">
+            <a:noFill/>
+            <a:round/>
+          </a:ln>
+        </p:spPr>
+        <p:txBody>
+          <a:bodyPr wrap="square" lIns="91440" tIns="45720" rIns="91440" bIns="45720" anchor="ctr">
+            <a:normAutofit lnSpcReduction="10000"/>
+          </a:bodyPr>
+          <a:lstStyle>
+            <a:defPPr>
+              <a:defRPr lang="zh-CN"/>
+            </a:defPPr>
+            <a:lvl1pPr marL="0" algn="l" defTabSz="914400" rtl="0" eaLnBrk="1" latinLnBrk="0" hangingPunct="1">
+              <a:defRPr sz="1800" kern="1200">
+                <a:solidFill>
+                  <a:schemeClr val="tx1"/>
+                </a:solidFill>
+              </a:defRPr>
+            </a:lvl1pPr>
+            <a:lvl2pPr marL="457200" algn="l" defTabSz="914400" rtl="0" eaLnBrk="1" latinLnBrk="0" hangingPunct="1">
+              <a:defRPr sz="1800" kern="1200">
+                <a:solidFill>
+                  <a:schemeClr val="tx1"/>
+                </a:solidFill>
+              </a:defRPr>
+            </a:lvl2pPr>
+            <a:lvl3pPr marL="914400" algn="l" defTabSz="914400" rtl="0" eaLnBrk="1" latinLnBrk="0" hangingPunct="1">
+              <a:defRPr sz="1800" kern="1200">
+                <a:solidFill>
+                  <a:schemeClr val="tx1"/>
+                </a:solidFill>
+              </a:defRPr>
+            </a:lvl3pPr>
+            <a:lvl4pPr marL="1371600" algn="l" defTabSz="914400" rtl="0" eaLnBrk="1" latinLnBrk="0" hangingPunct="1">
+              <a:defRPr sz="1800" kern="1200">
+                <a:solidFill>
+                  <a:schemeClr val="tx1"/>
+                </a:solidFill>
+              </a:defRPr>
+            </a:lvl4pPr>
+            <a:lvl5pPr marL="1828800" algn="l" defTabSz="914400" rtl="0" eaLnBrk="1" latinLnBrk="0" hangingPunct="1">
+              <a:defRPr sz="1800" kern="1200">
+                <a:solidFill>
+                  <a:schemeClr val="tx1"/>
+                </a:solidFill>
+              </a:defRPr>
+            </a:lvl5pPr>
+            <a:lvl6pPr marL="2286000" algn="l" defTabSz="914400" rtl="0" eaLnBrk="1" latinLnBrk="0" hangingPunct="1">
+              <a:defRPr sz="1800" kern="1200">
+                <a:solidFill>
+                  <a:schemeClr val="tx1"/>
+                </a:solidFill>
+              </a:defRPr>
+            </a:lvl6pPr>
+            <a:lvl7pPr marL="2743200" algn="l" defTabSz="914400" rtl="0" eaLnBrk="1" latinLnBrk="0" hangingPunct="1">
+              <a:defRPr sz="1800" kern="1200">
+                <a:solidFill>
+                  <a:schemeClr val="tx1"/>
+                </a:solidFill>
+              </a:defRPr>
+            </a:lvl7pPr>
+            <a:lvl8pPr marL="3200400" algn="l" defTabSz="914400" rtl="0" eaLnBrk="1" latinLnBrk="0" hangingPunct="1">
+              <a:defRPr sz="1800" kern="1200">
+                <a:solidFill>
+                  <a:schemeClr val="tx1"/>
+                </a:solidFill>
+              </a:defRPr>
+            </a:lvl8pPr>
+            <a:lvl9pPr marL="3657600" algn="l" defTabSz="914400" rtl="0" eaLnBrk="1" latinLnBrk="0" hangingPunct="1">
+              <a:defRPr sz="1800" kern="1200">
+                <a:solidFill>
+                  <a:schemeClr val="tx1"/>
+                </a:solidFill>
+              </a:defRPr>
+            </a:lvl9pPr>
+          </a:lstStyle>
+          <a:p>
+            <a:pPr algn="ctr"/>
+          </a:p>
+        </p:txBody>
+      </p:sp>
+      <p:sp>
+        <p:nvSpPr>
+          <p:cNvPr id="33" name="椭圆 32"/>
+          <p:cNvSpPr/>
+          <p:nvPr/>
+        </p:nvSpPr>
+        <p:spPr>
+          <a:xfrm>
+            <a:off x="5019709" y="4374581"/>
+            <a:ext cx="785418" cy="785418"/>
+          </a:xfrm>
+          <a:prstGeom prst="ellipse">
+            <a:avLst/>
+          </a:prstGeom>
+          <a:solidFill>
+            <a:schemeClr val="bg1">
+              <a:lumMod val="95000"/>
+            </a:schemeClr>
+          </a:solidFill>
+          <a:ln w="76200">
+            <a:noFill/>
+          </a:ln>
+        </p:spPr>
+        <p:style>
+          <a:lnRef idx="2">
+            <a:schemeClr val="accent1">
+              <a:shade val="50000"/>
+            </a:schemeClr>
+          </a:lnRef>
+          <a:fillRef idx="1">
+            <a:schemeClr val="accent1"/>
+          </a:fillRef>
+          <a:effectRef idx="0">
+            <a:schemeClr val="accent1"/>
+          </a:effectRef>
+          <a:fontRef idx="minor">
+            <a:schemeClr val="lt1"/>
+          </a:fontRef>
+        </p:style>
+        <p:txBody>
+          <a:bodyPr wrap="square" lIns="91440" tIns="45720" rIns="91440" bIns="45720" anchor="ctr">
+            <a:normAutofit/>
+          </a:bodyPr>
+          <a:lstStyle>
+            <a:defPPr>
+              <a:defRPr lang="zh-CN"/>
+            </a:defPPr>
+            <a:lvl1pPr marL="0" algn="l" defTabSz="914400" rtl="0" eaLnBrk="1" latinLnBrk="0" hangingPunct="1">
+              <a:defRPr sz="1800" kern="1200">
+                <a:solidFill>
+                  <a:schemeClr val="lt1"/>
+                </a:solidFill>
+              </a:defRPr>
+            </a:lvl1pPr>
+            <a:lvl2pPr marL="457200" algn="l" defTabSz="914400" rtl="0" eaLnBrk="1" latinLnBrk="0" hangingPunct="1">
+              <a:defRPr sz="1800" kern="1200">
+                <a:solidFill>
+                  <a:schemeClr val="lt1"/>
+                </a:solidFill>
+              </a:defRPr>
+            </a:lvl2pPr>
+            <a:lvl3pPr marL="914400" algn="l" defTabSz="914400" rtl="0" eaLnBrk="1" latinLnBrk="0" hangingPunct="1">
+              <a:defRPr sz="1800" kern="1200">
+                <a:solidFill>
+                  <a:schemeClr val="lt1"/>
+                </a:solidFill>
+              </a:defRPr>
+            </a:lvl3pPr>
+            <a:lvl4pPr marL="1371600" algn="l" defTabSz="914400" rtl="0" eaLnBrk="1" latinLnBrk="0" hangingPunct="1">
+              <a:defRPr sz="1800" kern="1200">
+                <a:solidFill>
+                  <a:schemeClr val="lt1"/>
+                </a:solidFill>
+              </a:defRPr>
+            </a:lvl4pPr>
+            <a:lvl5pPr marL="1828800" algn="l" defTabSz="914400" rtl="0" eaLnBrk="1" latinLnBrk="0" hangingPunct="1">
+              <a:defRPr sz="1800" kern="1200">
+                <a:solidFill>
+                  <a:schemeClr val="lt1"/>
+                </a:solidFill>
+              </a:defRPr>
+            </a:lvl5pPr>
+            <a:lvl6pPr marL="2286000" algn="l" defTabSz="914400" rtl="0" eaLnBrk="1" latinLnBrk="0" hangingPunct="1">
+              <a:defRPr sz="1800" kern="1200">
+                <a:solidFill>
+                  <a:schemeClr val="lt1"/>
+                </a:solidFill>
+              </a:defRPr>
+            </a:lvl6pPr>
+            <a:lvl7pPr marL="2743200" algn="l" defTabSz="914400" rtl="0" eaLnBrk="1" latinLnBrk="0" hangingPunct="1">
+              <a:defRPr sz="1800" kern="1200">
+                <a:solidFill>
+                  <a:schemeClr val="lt1"/>
+                </a:solidFill>
+              </a:defRPr>
+            </a:lvl7pPr>
+            <a:lvl8pPr marL="3200400" algn="l" defTabSz="914400" rtl="0" eaLnBrk="1" latinLnBrk="0" hangingPunct="1">
+              <a:defRPr sz="1800" kern="1200">
+                <a:solidFill>
+                  <a:schemeClr val="lt1"/>
+                </a:solidFill>
+              </a:defRPr>
+            </a:lvl8pPr>
+            <a:lvl9pPr marL="3657600" algn="l" defTabSz="914400" rtl="0" eaLnBrk="1" latinLnBrk="0" hangingPunct="1">
+              <a:defRPr sz="1800" kern="1200">
+                <a:solidFill>
+                  <a:schemeClr val="lt1"/>
+                </a:solidFill>
+              </a:defRPr>
+            </a:lvl9pPr>
+          </a:lstStyle>
+          <a:p>
+            <a:pPr algn="ctr"/>
+            <a:endParaRPr dirty="0"/>
+          </a:p>
+        </p:txBody>
+      </p:sp>
+      <p:sp>
+        <p:nvSpPr>
+          <p:cNvPr id="34" name="椭圆 33"/>
+          <p:cNvSpPr/>
+          <p:nvPr/>
+        </p:nvSpPr>
+        <p:spPr>
+          <a:xfrm>
+            <a:off x="6386872" y="4374581"/>
+            <a:ext cx="785418" cy="785418"/>
+          </a:xfrm>
+          <a:prstGeom prst="ellipse">
+            <a:avLst/>
+          </a:prstGeom>
+          <a:solidFill>
+            <a:schemeClr val="bg1">
+              <a:lumMod val="95000"/>
+            </a:schemeClr>
+          </a:solidFill>
+          <a:ln w="76200">
+            <a:noFill/>
+          </a:ln>
+        </p:spPr>
+        <p:style>
+          <a:lnRef idx="2">
+            <a:schemeClr val="accent1">
+              <a:shade val="50000"/>
+            </a:schemeClr>
+          </a:lnRef>
+          <a:fillRef idx="1">
+            <a:schemeClr val="accent1"/>
+          </a:fillRef>
+          <a:effectRef idx="0">
+            <a:schemeClr val="accent1"/>
+          </a:effectRef>
+          <a:fontRef idx="minor">
+            <a:schemeClr val="lt1"/>
+          </a:fontRef>
+        </p:style>
+        <p:txBody>
+          <a:bodyPr wrap="square" lIns="91440" tIns="45720" rIns="91440" bIns="45720" anchor="ctr">
+            <a:normAutofit/>
+          </a:bodyPr>
+          <a:lstStyle>
+            <a:defPPr>
+              <a:defRPr lang="zh-CN"/>
+            </a:defPPr>
+            <a:lvl1pPr marL="0" algn="l" defTabSz="914400" rtl="0" eaLnBrk="1" latinLnBrk="0" hangingPunct="1">
+              <a:defRPr sz="1800" kern="1200">
+                <a:solidFill>
+                  <a:schemeClr val="lt1"/>
+                </a:solidFill>
+              </a:defRPr>
+            </a:lvl1pPr>
+            <a:lvl2pPr marL="457200" algn="l" defTabSz="914400" rtl="0" eaLnBrk="1" latinLnBrk="0" hangingPunct="1">
+              <a:defRPr sz="1800" kern="1200">
+                <a:solidFill>
+                  <a:schemeClr val="lt1"/>
+                </a:solidFill>
+              </a:defRPr>
+            </a:lvl2pPr>
+            <a:lvl3pPr marL="914400" algn="l" defTabSz="914400" rtl="0" eaLnBrk="1" latinLnBrk="0" hangingPunct="1">
+              <a:defRPr sz="1800" kern="1200">
+                <a:solidFill>
+                  <a:schemeClr val="lt1"/>
+                </a:solidFill>
+              </a:defRPr>
+            </a:lvl3pPr>
+            <a:lvl4pPr marL="1371600" algn="l" defTabSz="914400" rtl="0" eaLnBrk="1" latinLnBrk="0" hangingPunct="1">
+              <a:defRPr sz="1800" kern="1200">
+                <a:solidFill>
+                  <a:schemeClr val="lt1"/>
+                </a:solidFill>
+              </a:defRPr>
+            </a:lvl4pPr>
+            <a:lvl5pPr marL="1828800" algn="l" defTabSz="914400" rtl="0" eaLnBrk="1" latinLnBrk="0" hangingPunct="1">
+              <a:defRPr sz="1800" kern="1200">
+                <a:solidFill>
+                  <a:schemeClr val="lt1"/>
+                </a:solidFill>
+              </a:defRPr>
+            </a:lvl5pPr>
+            <a:lvl6pPr marL="2286000" algn="l" defTabSz="914400" rtl="0" eaLnBrk="1" latinLnBrk="0" hangingPunct="1">
+              <a:defRPr sz="1800" kern="1200">
+                <a:solidFill>
+                  <a:schemeClr val="lt1"/>
+                </a:solidFill>
+              </a:defRPr>
+            </a:lvl6pPr>
+            <a:lvl7pPr marL="2743200" algn="l" defTabSz="914400" rtl="0" eaLnBrk="1" latinLnBrk="0" hangingPunct="1">
+              <a:defRPr sz="1800" kern="1200">
+                <a:solidFill>
+                  <a:schemeClr val="lt1"/>
+                </a:solidFill>
+              </a:defRPr>
+            </a:lvl7pPr>
+            <a:lvl8pPr marL="3200400" algn="l" defTabSz="914400" rtl="0" eaLnBrk="1" latinLnBrk="0" hangingPunct="1">
+              <a:defRPr sz="1800" kern="1200">
+                <a:solidFill>
+                  <a:schemeClr val="lt1"/>
+                </a:solidFill>
+              </a:defRPr>
+            </a:lvl8pPr>
+            <a:lvl9pPr marL="3657600" algn="l" defTabSz="914400" rtl="0" eaLnBrk="1" latinLnBrk="0" hangingPunct="1">
+              <a:defRPr sz="1800" kern="1200">
+                <a:solidFill>
+                  <a:schemeClr val="lt1"/>
+                </a:solidFill>
+              </a:defRPr>
+            </a:lvl9pPr>
+          </a:lstStyle>
+          <a:p>
+            <a:pPr algn="ctr"/>
+            <a:endParaRPr dirty="0"/>
+          </a:p>
+        </p:txBody>
+      </p:sp>
+      <p:sp>
+        <p:nvSpPr>
+          <p:cNvPr id="35" name="椭圆 34"/>
+          <p:cNvSpPr/>
+          <p:nvPr/>
+        </p:nvSpPr>
+        <p:spPr>
+          <a:xfrm>
+            <a:off x="5623853" y="4295144"/>
+            <a:ext cx="944292" cy="944292"/>
+          </a:xfrm>
+          <a:prstGeom prst="ellipse">
+            <a:avLst/>
+          </a:prstGeom>
+          <a:solidFill>
+            <a:schemeClr val="bg1">
+              <a:lumMod val="75000"/>
+            </a:schemeClr>
+          </a:solidFill>
+          <a:ln w="57150">
+            <a:solidFill>
+              <a:schemeClr val="bg1"/>
+            </a:solidFill>
+          </a:ln>
+        </p:spPr>
+        <p:style>
+          <a:lnRef idx="2">
+            <a:schemeClr val="accent1">
+              <a:shade val="50000"/>
+            </a:schemeClr>
+          </a:lnRef>
+          <a:fillRef idx="1">
+            <a:schemeClr val="accent1"/>
+          </a:fillRef>
+          <a:effectRef idx="0">
+            <a:schemeClr val="accent1"/>
+          </a:effectRef>
+          <a:fontRef idx="minor">
+            <a:schemeClr val="lt1"/>
+          </a:fontRef>
+        </p:style>
+        <p:txBody>
+          <a:bodyPr wrap="square" lIns="91440" tIns="45720" rIns="91440" bIns="45720" anchor="ctr">
+            <a:normAutofit/>
+          </a:bodyPr>
+          <a:lstStyle>
+            <a:defPPr>
+              <a:defRPr lang="zh-CN"/>
+            </a:defPPr>
+            <a:lvl1pPr marL="0" algn="l" defTabSz="914400" rtl="0" eaLnBrk="1" latinLnBrk="0" hangingPunct="1">
+              <a:defRPr sz="1800" kern="1200">
+                <a:solidFill>
+                  <a:schemeClr val="lt1"/>
+                </a:solidFill>
+              </a:defRPr>
+            </a:lvl1pPr>
+            <a:lvl2pPr marL="457200" algn="l" defTabSz="914400" rtl="0" eaLnBrk="1" latinLnBrk="0" hangingPunct="1">
+              <a:defRPr sz="1800" kern="1200">
+                <a:solidFill>
+                  <a:schemeClr val="lt1"/>
+                </a:solidFill>
+              </a:defRPr>
+            </a:lvl2pPr>
+            <a:lvl3pPr marL="914400" algn="l" defTabSz="914400" rtl="0" eaLnBrk="1" latinLnBrk="0" hangingPunct="1">
+              <a:defRPr sz="1800" kern="1200">
+                <a:solidFill>
+                  <a:schemeClr val="lt1"/>
+                </a:solidFill>
+              </a:defRPr>
+            </a:lvl3pPr>
+            <a:lvl4pPr marL="1371600" algn="l" defTabSz="914400" rtl="0" eaLnBrk="1" latinLnBrk="0" hangingPunct="1">
+              <a:defRPr sz="1800" kern="1200">
+                <a:solidFill>
+                  <a:schemeClr val="lt1"/>
+                </a:solidFill>
+              </a:defRPr>
+            </a:lvl4pPr>
+            <a:lvl5pPr marL="1828800" algn="l" defTabSz="914400" rtl="0" eaLnBrk="1" latinLnBrk="0" hangingPunct="1">
+              <a:defRPr sz="1800" kern="1200">
+                <a:solidFill>
+                  <a:schemeClr val="lt1"/>
+                </a:solidFill>
+              </a:defRPr>
+            </a:lvl5pPr>
+            <a:lvl6pPr marL="2286000" algn="l" defTabSz="914400" rtl="0" eaLnBrk="1" latinLnBrk="0" hangingPunct="1">
+              <a:defRPr sz="1800" kern="1200">
+                <a:solidFill>
+                  <a:schemeClr val="lt1"/>
+                </a:solidFill>
+              </a:defRPr>
+            </a:lvl6pPr>
+            <a:lvl7pPr marL="2743200" algn="l" defTabSz="914400" rtl="0" eaLnBrk="1" latinLnBrk="0" hangingPunct="1">
+              <a:defRPr sz="1800" kern="1200">
+                <a:solidFill>
+                  <a:schemeClr val="lt1"/>
+                </a:solidFill>
+              </a:defRPr>
+            </a:lvl7pPr>
+            <a:lvl8pPr marL="3200400" algn="l" defTabSz="914400" rtl="0" eaLnBrk="1" latinLnBrk="0" hangingPunct="1">
+              <a:defRPr sz="1800" kern="1200">
+                <a:solidFill>
+                  <a:schemeClr val="lt1"/>
+                </a:solidFill>
+              </a:defRPr>
+            </a:lvl8pPr>
+            <a:lvl9pPr marL="3657600" algn="l" defTabSz="914400" rtl="0" eaLnBrk="1" latinLnBrk="0" hangingPunct="1">
+              <a:defRPr sz="1800" kern="1200">
+                <a:solidFill>
+                  <a:schemeClr val="lt1"/>
+                </a:solidFill>
+              </a:defRPr>
+            </a:lvl9pPr>
+          </a:lstStyle>
+          <a:p>
+            <a:pPr algn="ctr"/>
+          </a:p>
+        </p:txBody>
+      </p:sp>
+      <p:sp>
+        <p:nvSpPr>
+          <p:cNvPr id="36" name="任意多边形: 形状 35"/>
+          <p:cNvSpPr/>
+          <p:nvPr/>
+        </p:nvSpPr>
+        <p:spPr bwMode="auto">
+          <a:xfrm>
+            <a:off x="5885036" y="4572115"/>
+            <a:ext cx="421926" cy="390350"/>
+          </a:xfrm>
+          <a:custGeom>
+            <a:avLst/>
+            <a:gdLst/>
+            <a:ahLst/>
+            <a:cxnLst>
+              <a:cxn ang="0">
+                <a:pos x="39" y="36"/>
+              </a:cxn>
+              <a:cxn ang="0">
+                <a:pos x="41" y="44"/>
+              </a:cxn>
+              <a:cxn ang="0">
+                <a:pos x="35" y="50"/>
+              </a:cxn>
+              <a:cxn ang="0">
+                <a:pos x="27" y="53"/>
+              </a:cxn>
+              <a:cxn ang="0">
+                <a:pos x="18" y="53"/>
+              </a:cxn>
+              <a:cxn ang="0">
+                <a:pos x="11" y="50"/>
+              </a:cxn>
+              <a:cxn ang="0">
+                <a:pos x="4" y="44"/>
+              </a:cxn>
+              <a:cxn ang="0">
+                <a:pos x="6" y="36"/>
+              </a:cxn>
+              <a:cxn ang="0">
+                <a:pos x="0" y="28"/>
+              </a:cxn>
+              <a:cxn ang="0">
+                <a:pos x="7" y="23"/>
+              </a:cxn>
+              <a:cxn ang="0">
+                <a:pos x="4" y="18"/>
+              </a:cxn>
+              <a:cxn ang="0">
+                <a:pos x="15" y="16"/>
+              </a:cxn>
+              <a:cxn ang="0">
+                <a:pos x="19" y="8"/>
+              </a:cxn>
+              <a:cxn ang="0">
+                <a:pos x="28" y="15"/>
+              </a:cxn>
+              <a:cxn ang="0">
+                <a:pos x="35" y="12"/>
+              </a:cxn>
+              <a:cxn ang="0">
+                <a:pos x="41" y="19"/>
+              </a:cxn>
+              <a:cxn ang="0">
+                <a:pos x="45" y="27"/>
+              </a:cxn>
+              <a:cxn ang="0">
+                <a:pos x="23" y="22"/>
+              </a:cxn>
+              <a:cxn ang="0">
+                <a:pos x="32" y="31"/>
+              </a:cxn>
+              <a:cxn ang="0">
+                <a:pos x="63" y="16"/>
+              </a:cxn>
+              <a:cxn ang="0">
+                <a:pos x="64" y="24"/>
+              </a:cxn>
+              <a:cxn ang="0">
+                <a:pos x="55" y="22"/>
+              </a:cxn>
+              <a:cxn ang="0">
+                <a:pos x="46" y="24"/>
+              </a:cxn>
+              <a:cxn ang="0">
+                <a:pos x="46" y="16"/>
+              </a:cxn>
+              <a:cxn ang="0">
+                <a:pos x="46" y="9"/>
+              </a:cxn>
+              <a:cxn ang="0">
+                <a:pos x="46" y="2"/>
+              </a:cxn>
+              <a:cxn ang="0">
+                <a:pos x="55" y="4"/>
+              </a:cxn>
+              <a:cxn ang="0">
+                <a:pos x="59" y="0"/>
+              </a:cxn>
+              <a:cxn ang="0">
+                <a:pos x="62" y="7"/>
+              </a:cxn>
+              <a:cxn ang="0">
+                <a:pos x="68" y="15"/>
+              </a:cxn>
+              <a:cxn ang="0">
+                <a:pos x="62" y="55"/>
+              </a:cxn>
+              <a:cxn ang="0">
+                <a:pos x="59" y="63"/>
+              </a:cxn>
+              <a:cxn ang="0">
+                <a:pos x="54" y="59"/>
+              </a:cxn>
+              <a:cxn ang="0">
+                <a:pos x="45" y="60"/>
+              </a:cxn>
+              <a:cxn ang="0">
+                <a:pos x="41" y="52"/>
+              </a:cxn>
+              <a:cxn ang="0">
+                <a:pos x="47" y="44"/>
+              </a:cxn>
+              <a:cxn ang="0">
+                <a:pos x="50" y="36"/>
+              </a:cxn>
+              <a:cxn ang="0">
+                <a:pos x="56" y="40"/>
+              </a:cxn>
+              <a:cxn ang="0">
+                <a:pos x="64" y="39"/>
+              </a:cxn>
+              <a:cxn ang="0">
+                <a:pos x="63" y="46"/>
+              </a:cxn>
+              <a:cxn ang="0">
+                <a:pos x="55" y="8"/>
+              </a:cxn>
+              <a:cxn ang="0">
+                <a:pos x="59" y="13"/>
+              </a:cxn>
+              <a:cxn ang="0">
+                <a:pos x="50" y="49"/>
+              </a:cxn>
+              <a:cxn ang="0">
+                <a:pos x="55" y="45"/>
+              </a:cxn>
+            </a:cxnLst>
+            <a:rect l="0" t="0" r="r" b="b"/>
+            <a:pathLst>
+              <a:path w="68" h="63">
+                <a:moveTo>
+                  <a:pt x="45" y="35"/>
+                </a:moveTo>
+                <a:cubicBezTo>
+                  <a:pt x="45" y="35"/>
+                  <a:pt x="45" y="36"/>
+                  <a:pt x="45" y="36"/>
+                </a:cubicBezTo>
+                <a:cubicBezTo>
+                  <a:pt x="39" y="36"/>
+                  <a:pt x="39" y="36"/>
+                  <a:pt x="39" y="36"/>
+                </a:cubicBezTo>
+                <a:cubicBezTo>
+                  <a:pt x="39" y="37"/>
+                  <a:pt x="38" y="38"/>
+                  <a:pt x="38" y="39"/>
+                </a:cubicBezTo>
+                <a:cubicBezTo>
+                  <a:pt x="39" y="41"/>
+                  <a:pt x="40" y="42"/>
+                  <a:pt x="41" y="43"/>
+                </a:cubicBezTo>
+                <a:cubicBezTo>
+                  <a:pt x="41" y="43"/>
+                  <a:pt x="41" y="44"/>
+                  <a:pt x="41" y="44"/>
+                </a:cubicBezTo>
+                <a:cubicBezTo>
+                  <a:pt x="41" y="44"/>
+                  <a:pt x="41" y="44"/>
+                  <a:pt x="41" y="45"/>
+                </a:cubicBezTo>
+                <a:cubicBezTo>
+                  <a:pt x="40" y="46"/>
+                  <a:pt x="36" y="50"/>
+                  <a:pt x="35" y="50"/>
+                </a:cubicBezTo>
+                <a:cubicBezTo>
+                  <a:pt x="35" y="50"/>
+                  <a:pt x="35" y="50"/>
+                  <a:pt x="35" y="50"/>
+                </a:cubicBezTo>
+                <a:cubicBezTo>
+                  <a:pt x="31" y="47"/>
+                  <a:pt x="31" y="47"/>
+                  <a:pt x="31" y="47"/>
+                </a:cubicBezTo>
+                <a:cubicBezTo>
+                  <a:pt x="30" y="47"/>
+                  <a:pt x="29" y="47"/>
+                  <a:pt x="28" y="48"/>
+                </a:cubicBezTo>
+                <a:cubicBezTo>
+                  <a:pt x="28" y="49"/>
+                  <a:pt x="27" y="51"/>
+                  <a:pt x="27" y="53"/>
+                </a:cubicBezTo>
+                <a:cubicBezTo>
+                  <a:pt x="27" y="54"/>
+                  <a:pt x="26" y="54"/>
+                  <a:pt x="26" y="54"/>
+                </a:cubicBezTo>
+                <a:cubicBezTo>
+                  <a:pt x="19" y="54"/>
+                  <a:pt x="19" y="54"/>
+                  <a:pt x="19" y="54"/>
+                </a:cubicBezTo>
+                <a:cubicBezTo>
+                  <a:pt x="19" y="54"/>
+                  <a:pt x="18" y="54"/>
+                  <a:pt x="18" y="53"/>
+                </a:cubicBezTo>
+                <a:cubicBezTo>
+                  <a:pt x="17" y="48"/>
+                  <a:pt x="17" y="48"/>
+                  <a:pt x="17" y="48"/>
+                </a:cubicBezTo>
+                <a:cubicBezTo>
+                  <a:pt x="16" y="47"/>
+                  <a:pt x="16" y="47"/>
+                  <a:pt x="15" y="47"/>
+                </a:cubicBezTo>
+                <a:cubicBezTo>
+                  <a:pt x="11" y="50"/>
+                  <a:pt x="11" y="50"/>
+                  <a:pt x="11" y="50"/>
+                </a:cubicBezTo>
+                <a:cubicBezTo>
+                  <a:pt x="10" y="50"/>
+                  <a:pt x="10" y="50"/>
+                  <a:pt x="10" y="50"/>
+                </a:cubicBezTo>
+                <a:cubicBezTo>
+                  <a:pt x="10" y="50"/>
+                  <a:pt x="9" y="50"/>
+                  <a:pt x="9" y="50"/>
+                </a:cubicBezTo>
+                <a:cubicBezTo>
+                  <a:pt x="8" y="49"/>
+                  <a:pt x="4" y="45"/>
+                  <a:pt x="4" y="44"/>
+                </a:cubicBezTo>
+                <a:cubicBezTo>
+                  <a:pt x="4" y="44"/>
+                  <a:pt x="4" y="44"/>
+                  <a:pt x="4" y="43"/>
+                </a:cubicBezTo>
+                <a:cubicBezTo>
+                  <a:pt x="5" y="42"/>
+                  <a:pt x="6" y="41"/>
+                  <a:pt x="7" y="39"/>
+                </a:cubicBezTo>
+                <a:cubicBezTo>
+                  <a:pt x="7" y="38"/>
+                  <a:pt x="6" y="37"/>
+                  <a:pt x="6" y="36"/>
+                </a:cubicBezTo>
+                <a:cubicBezTo>
+                  <a:pt x="1" y="35"/>
+                  <a:pt x="1" y="35"/>
+                  <a:pt x="1" y="35"/>
+                </a:cubicBezTo>
+                <a:cubicBezTo>
+                  <a:pt x="0" y="35"/>
+                  <a:pt x="0" y="35"/>
+                  <a:pt x="0" y="34"/>
+                </a:cubicBezTo>
+                <a:cubicBezTo>
+                  <a:pt x="0" y="28"/>
+                  <a:pt x="0" y="28"/>
+                  <a:pt x="0" y="28"/>
+                </a:cubicBezTo>
+                <a:cubicBezTo>
+                  <a:pt x="0" y="27"/>
+                  <a:pt x="0" y="27"/>
+                  <a:pt x="1" y="27"/>
+                </a:cubicBezTo>
+                <a:cubicBezTo>
+                  <a:pt x="6" y="26"/>
+                  <a:pt x="6" y="26"/>
+                  <a:pt x="6" y="26"/>
+                </a:cubicBezTo>
+                <a:cubicBezTo>
+                  <a:pt x="6" y="25"/>
+                  <a:pt x="7" y="24"/>
+                  <a:pt x="7" y="23"/>
+                </a:cubicBezTo>
+                <a:cubicBezTo>
+                  <a:pt x="6" y="22"/>
+                  <a:pt x="5" y="20"/>
+                  <a:pt x="4" y="19"/>
+                </a:cubicBezTo>
+                <a:cubicBezTo>
+                  <a:pt x="4" y="19"/>
+                  <a:pt x="4" y="19"/>
+                  <a:pt x="4" y="18"/>
+                </a:cubicBezTo>
+                <a:cubicBezTo>
+                  <a:pt x="4" y="18"/>
+                  <a:pt x="4" y="18"/>
+                  <a:pt x="4" y="18"/>
+                </a:cubicBezTo>
+                <a:cubicBezTo>
+                  <a:pt x="5" y="17"/>
+                  <a:pt x="9" y="12"/>
+                  <a:pt x="10" y="12"/>
+                </a:cubicBezTo>
+                <a:cubicBezTo>
+                  <a:pt x="10" y="12"/>
+                  <a:pt x="10" y="12"/>
+                  <a:pt x="11" y="13"/>
+                </a:cubicBezTo>
+                <a:cubicBezTo>
+                  <a:pt x="15" y="16"/>
+                  <a:pt x="15" y="16"/>
+                  <a:pt x="15" y="16"/>
+                </a:cubicBezTo>
+                <a:cubicBezTo>
+                  <a:pt x="16" y="15"/>
+                  <a:pt x="16" y="15"/>
+                  <a:pt x="17" y="15"/>
+                </a:cubicBezTo>
+                <a:cubicBezTo>
+                  <a:pt x="18" y="13"/>
+                  <a:pt x="18" y="11"/>
+                  <a:pt x="18" y="9"/>
+                </a:cubicBezTo>
+                <a:cubicBezTo>
+                  <a:pt x="18" y="9"/>
+                  <a:pt x="19" y="8"/>
+                  <a:pt x="19" y="8"/>
+                </a:cubicBezTo>
+                <a:cubicBezTo>
+                  <a:pt x="26" y="8"/>
+                  <a:pt x="26" y="8"/>
+                  <a:pt x="26" y="8"/>
+                </a:cubicBezTo>
+                <a:cubicBezTo>
+                  <a:pt x="26" y="8"/>
+                  <a:pt x="27" y="9"/>
+                  <a:pt x="27" y="9"/>
+                </a:cubicBezTo>
+                <a:cubicBezTo>
+                  <a:pt x="28" y="15"/>
+                  <a:pt x="28" y="15"/>
+                  <a:pt x="28" y="15"/>
+                </a:cubicBezTo>
+                <a:cubicBezTo>
+                  <a:pt x="29" y="15"/>
+                  <a:pt x="30" y="15"/>
+                  <a:pt x="31" y="16"/>
+                </a:cubicBezTo>
+                <a:cubicBezTo>
+                  <a:pt x="35" y="13"/>
+                  <a:pt x="35" y="13"/>
+                  <a:pt x="35" y="13"/>
+                </a:cubicBezTo>
+                <a:cubicBezTo>
+                  <a:pt x="35" y="12"/>
+                  <a:pt x="35" y="12"/>
+                  <a:pt x="35" y="12"/>
+                </a:cubicBezTo>
+                <a:cubicBezTo>
+                  <a:pt x="36" y="12"/>
+                  <a:pt x="36" y="12"/>
+                  <a:pt x="36" y="13"/>
+                </a:cubicBezTo>
+                <a:cubicBezTo>
+                  <a:pt x="37" y="13"/>
+                  <a:pt x="41" y="17"/>
+                  <a:pt x="41" y="18"/>
+                </a:cubicBezTo>
+                <a:cubicBezTo>
+                  <a:pt x="41" y="19"/>
+                  <a:pt x="41" y="19"/>
+                  <a:pt x="41" y="19"/>
+                </a:cubicBezTo>
+                <a:cubicBezTo>
+                  <a:pt x="40" y="20"/>
+                  <a:pt x="39" y="22"/>
+                  <a:pt x="38" y="23"/>
+                </a:cubicBezTo>
+                <a:cubicBezTo>
+                  <a:pt x="38" y="24"/>
+                  <a:pt x="39" y="25"/>
+                  <a:pt x="39" y="26"/>
+                </a:cubicBezTo>
+                <a:cubicBezTo>
+                  <a:pt x="45" y="27"/>
+                  <a:pt x="45" y="27"/>
+                  <a:pt x="45" y="27"/>
+                </a:cubicBezTo>
+                <a:cubicBezTo>
+                  <a:pt x="45" y="27"/>
+                  <a:pt x="45" y="27"/>
+                  <a:pt x="45" y="28"/>
+                </a:cubicBezTo>
+                <a:lnTo>
+                  <a:pt x="45" y="35"/>
+                </a:lnTo>
+                <a:close/>
+                <a:moveTo>
+                  <a:pt x="23" y="22"/>
+                </a:moveTo>
+                <a:cubicBezTo>
+                  <a:pt x="18" y="22"/>
+                  <a:pt x="13" y="26"/>
+                  <a:pt x="13" y="31"/>
+                </a:cubicBezTo>
+                <a:cubicBezTo>
+                  <a:pt x="13" y="36"/>
+                  <a:pt x="18" y="40"/>
+                  <a:pt x="23" y="40"/>
+                </a:cubicBezTo>
+                <a:cubicBezTo>
+                  <a:pt x="28" y="40"/>
+                  <a:pt x="32" y="36"/>
+                  <a:pt x="32" y="31"/>
+                </a:cubicBezTo>
+                <a:cubicBezTo>
+                  <a:pt x="32" y="26"/>
+                  <a:pt x="28" y="22"/>
+                  <a:pt x="23" y="22"/>
+                </a:cubicBezTo>
+                <a:close/>
+                <a:moveTo>
+                  <a:pt x="68" y="15"/>
+                </a:moveTo>
+                <a:cubicBezTo>
+                  <a:pt x="68" y="16"/>
+                  <a:pt x="64" y="16"/>
+                  <a:pt x="63" y="16"/>
+                </a:cubicBezTo>
+                <a:cubicBezTo>
+                  <a:pt x="63" y="17"/>
+                  <a:pt x="62" y="18"/>
+                  <a:pt x="62" y="18"/>
+                </a:cubicBezTo>
+                <a:cubicBezTo>
+                  <a:pt x="62" y="19"/>
+                  <a:pt x="64" y="23"/>
+                  <a:pt x="64" y="23"/>
+                </a:cubicBezTo>
+                <a:cubicBezTo>
+                  <a:pt x="64" y="23"/>
+                  <a:pt x="64" y="23"/>
+                  <a:pt x="64" y="24"/>
+                </a:cubicBezTo>
+                <a:cubicBezTo>
+                  <a:pt x="63" y="24"/>
+                  <a:pt x="59" y="26"/>
+                  <a:pt x="59" y="26"/>
+                </a:cubicBezTo>
+                <a:cubicBezTo>
+                  <a:pt x="59" y="26"/>
+                  <a:pt x="56" y="22"/>
+                  <a:pt x="56" y="22"/>
+                </a:cubicBezTo>
+                <a:cubicBezTo>
+                  <a:pt x="55" y="22"/>
+                  <a:pt x="55" y="22"/>
+                  <a:pt x="55" y="22"/>
+                </a:cubicBezTo>
+                <a:cubicBezTo>
+                  <a:pt x="54" y="22"/>
+                  <a:pt x="54" y="22"/>
+                  <a:pt x="54" y="22"/>
+                </a:cubicBezTo>
+                <a:cubicBezTo>
+                  <a:pt x="53" y="22"/>
+                  <a:pt x="50" y="26"/>
+                  <a:pt x="50" y="26"/>
+                </a:cubicBezTo>
+                <a:cubicBezTo>
+                  <a:pt x="50" y="26"/>
+                  <a:pt x="46" y="24"/>
+                  <a:pt x="46" y="24"/>
+                </a:cubicBezTo>
+                <a:cubicBezTo>
+                  <a:pt x="45" y="23"/>
+                  <a:pt x="45" y="23"/>
+                  <a:pt x="45" y="23"/>
+                </a:cubicBezTo>
+                <a:cubicBezTo>
+                  <a:pt x="45" y="23"/>
+                  <a:pt x="47" y="19"/>
+                  <a:pt x="47" y="18"/>
+                </a:cubicBezTo>
+                <a:cubicBezTo>
+                  <a:pt x="47" y="18"/>
+                  <a:pt x="46" y="17"/>
+                  <a:pt x="46" y="16"/>
+                </a:cubicBezTo>
+                <a:cubicBezTo>
+                  <a:pt x="45" y="16"/>
+                  <a:pt x="41" y="16"/>
+                  <a:pt x="41" y="15"/>
+                </a:cubicBezTo>
+                <a:cubicBezTo>
+                  <a:pt x="41" y="10"/>
+                  <a:pt x="41" y="10"/>
+                  <a:pt x="41" y="10"/>
+                </a:cubicBezTo>
+                <a:cubicBezTo>
+                  <a:pt x="41" y="10"/>
+                  <a:pt x="45" y="9"/>
+                  <a:pt x="46" y="9"/>
+                </a:cubicBezTo>
+                <a:cubicBezTo>
+                  <a:pt x="46" y="9"/>
+                  <a:pt x="47" y="8"/>
+                  <a:pt x="47" y="7"/>
+                </a:cubicBezTo>
+                <a:cubicBezTo>
+                  <a:pt x="47" y="7"/>
+                  <a:pt x="45" y="3"/>
+                  <a:pt x="45" y="2"/>
+                </a:cubicBezTo>
+                <a:cubicBezTo>
+                  <a:pt x="45" y="2"/>
+                  <a:pt x="45" y="2"/>
+                  <a:pt x="46" y="2"/>
+                </a:cubicBezTo>
+                <a:cubicBezTo>
+                  <a:pt x="46" y="2"/>
+                  <a:pt x="50" y="0"/>
+                  <a:pt x="50" y="0"/>
+                </a:cubicBezTo>
+                <a:cubicBezTo>
+                  <a:pt x="50" y="0"/>
+                  <a:pt x="53" y="3"/>
+                  <a:pt x="54" y="4"/>
+                </a:cubicBezTo>
+                <a:cubicBezTo>
+                  <a:pt x="54" y="4"/>
+                  <a:pt x="54" y="4"/>
+                  <a:pt x="55" y="4"/>
+                </a:cubicBezTo>
+                <a:cubicBezTo>
+                  <a:pt x="55" y="4"/>
+                  <a:pt x="55" y="4"/>
+                  <a:pt x="56" y="4"/>
+                </a:cubicBezTo>
+                <a:cubicBezTo>
+                  <a:pt x="57" y="2"/>
+                  <a:pt x="58" y="1"/>
+                  <a:pt x="59" y="0"/>
+                </a:cubicBezTo>
+                <a:cubicBezTo>
+                  <a:pt x="59" y="0"/>
+                  <a:pt x="59" y="0"/>
+                  <a:pt x="59" y="0"/>
+                </a:cubicBezTo>
+                <a:cubicBezTo>
+                  <a:pt x="59" y="0"/>
+                  <a:pt x="63" y="2"/>
+                  <a:pt x="64" y="2"/>
+                </a:cubicBezTo>
+                <a:cubicBezTo>
+                  <a:pt x="64" y="2"/>
+                  <a:pt x="64" y="2"/>
+                  <a:pt x="64" y="2"/>
+                </a:cubicBezTo>
+                <a:cubicBezTo>
+                  <a:pt x="64" y="3"/>
+                  <a:pt x="62" y="7"/>
+                  <a:pt x="62" y="7"/>
+                </a:cubicBezTo>
+                <a:cubicBezTo>
+                  <a:pt x="62" y="8"/>
+                  <a:pt x="63" y="9"/>
+                  <a:pt x="63" y="9"/>
+                </a:cubicBezTo>
+                <a:cubicBezTo>
+                  <a:pt x="64" y="9"/>
+                  <a:pt x="68" y="10"/>
+                  <a:pt x="68" y="10"/>
+                </a:cubicBezTo>
+                <a:lnTo>
+                  <a:pt x="68" y="15"/>
+                </a:lnTo>
+                <a:close/>
+                <a:moveTo>
+                  <a:pt x="68" y="52"/>
+                </a:moveTo>
+                <a:cubicBezTo>
+                  <a:pt x="68" y="52"/>
+                  <a:pt x="64" y="53"/>
+                  <a:pt x="63" y="53"/>
+                </a:cubicBezTo>
+                <a:cubicBezTo>
+                  <a:pt x="63" y="54"/>
+                  <a:pt x="62" y="54"/>
+                  <a:pt x="62" y="55"/>
+                </a:cubicBezTo>
+                <a:cubicBezTo>
+                  <a:pt x="62" y="56"/>
+                  <a:pt x="64" y="59"/>
+                  <a:pt x="64" y="60"/>
+                </a:cubicBezTo>
+                <a:cubicBezTo>
+                  <a:pt x="64" y="60"/>
+                  <a:pt x="64" y="60"/>
+                  <a:pt x="64" y="60"/>
+                </a:cubicBezTo>
+                <a:cubicBezTo>
+                  <a:pt x="63" y="60"/>
+                  <a:pt x="59" y="63"/>
+                  <a:pt x="59" y="63"/>
+                </a:cubicBezTo>
+                <a:cubicBezTo>
+                  <a:pt x="59" y="63"/>
+                  <a:pt x="56" y="59"/>
+                  <a:pt x="56" y="59"/>
+                </a:cubicBezTo>
+                <a:cubicBezTo>
+                  <a:pt x="55" y="59"/>
+                  <a:pt x="55" y="59"/>
+                  <a:pt x="55" y="59"/>
+                </a:cubicBezTo>
+                <a:cubicBezTo>
+                  <a:pt x="54" y="59"/>
+                  <a:pt x="54" y="59"/>
+                  <a:pt x="54" y="59"/>
+                </a:cubicBezTo>
+                <a:cubicBezTo>
+                  <a:pt x="53" y="59"/>
+                  <a:pt x="50" y="63"/>
+                  <a:pt x="50" y="63"/>
+                </a:cubicBezTo>
+                <a:cubicBezTo>
+                  <a:pt x="50" y="63"/>
+                  <a:pt x="46" y="60"/>
+                  <a:pt x="46" y="60"/>
+                </a:cubicBezTo>
+                <a:cubicBezTo>
+                  <a:pt x="45" y="60"/>
+                  <a:pt x="45" y="60"/>
+                  <a:pt x="45" y="60"/>
+                </a:cubicBezTo>
+                <a:cubicBezTo>
+                  <a:pt x="45" y="59"/>
+                  <a:pt x="47" y="56"/>
+                  <a:pt x="47" y="55"/>
+                </a:cubicBezTo>
+                <a:cubicBezTo>
+                  <a:pt x="47" y="54"/>
+                  <a:pt x="46" y="54"/>
+                  <a:pt x="46" y="53"/>
+                </a:cubicBezTo>
+                <a:cubicBezTo>
+                  <a:pt x="45" y="53"/>
+                  <a:pt x="41" y="52"/>
+                  <a:pt x="41" y="52"/>
+                </a:cubicBezTo>
+                <a:cubicBezTo>
+                  <a:pt x="41" y="47"/>
+                  <a:pt x="41" y="47"/>
+                  <a:pt x="41" y="47"/>
+                </a:cubicBezTo>
+                <a:cubicBezTo>
+                  <a:pt x="41" y="46"/>
+                  <a:pt x="45" y="46"/>
+                  <a:pt x="46" y="46"/>
+                </a:cubicBezTo>
+                <a:cubicBezTo>
+                  <a:pt x="46" y="45"/>
+                  <a:pt x="47" y="45"/>
+                  <a:pt x="47" y="44"/>
+                </a:cubicBezTo>
+                <a:cubicBezTo>
+                  <a:pt x="47" y="43"/>
+                  <a:pt x="45" y="40"/>
+                  <a:pt x="45" y="39"/>
+                </a:cubicBezTo>
+                <a:cubicBezTo>
+                  <a:pt x="45" y="39"/>
+                  <a:pt x="45" y="39"/>
+                  <a:pt x="46" y="39"/>
+                </a:cubicBezTo>
+                <a:cubicBezTo>
+                  <a:pt x="46" y="39"/>
+                  <a:pt x="50" y="36"/>
+                  <a:pt x="50" y="36"/>
+                </a:cubicBezTo>
+                <a:cubicBezTo>
+                  <a:pt x="50" y="36"/>
+                  <a:pt x="53" y="40"/>
+                  <a:pt x="54" y="40"/>
+                </a:cubicBezTo>
+                <a:cubicBezTo>
+                  <a:pt x="54" y="40"/>
+                  <a:pt x="54" y="40"/>
+                  <a:pt x="55" y="40"/>
+                </a:cubicBezTo>
+                <a:cubicBezTo>
+                  <a:pt x="55" y="40"/>
+                  <a:pt x="55" y="40"/>
+                  <a:pt x="56" y="40"/>
+                </a:cubicBezTo>
+                <a:cubicBezTo>
+                  <a:pt x="57" y="39"/>
+                  <a:pt x="58" y="38"/>
+                  <a:pt x="59" y="36"/>
+                </a:cubicBezTo>
+                <a:cubicBezTo>
+                  <a:pt x="59" y="36"/>
+                  <a:pt x="59" y="36"/>
+                  <a:pt x="59" y="36"/>
+                </a:cubicBezTo>
+                <a:cubicBezTo>
+                  <a:pt x="59" y="36"/>
+                  <a:pt x="63" y="39"/>
+                  <a:pt x="64" y="39"/>
+                </a:cubicBezTo>
+                <a:cubicBezTo>
+                  <a:pt x="64" y="39"/>
+                  <a:pt x="64" y="39"/>
+                  <a:pt x="64" y="39"/>
+                </a:cubicBezTo>
+                <a:cubicBezTo>
+                  <a:pt x="64" y="40"/>
+                  <a:pt x="62" y="43"/>
+                  <a:pt x="62" y="44"/>
+                </a:cubicBezTo>
+                <a:cubicBezTo>
+                  <a:pt x="62" y="45"/>
+                  <a:pt x="63" y="45"/>
+                  <a:pt x="63" y="46"/>
+                </a:cubicBezTo>
+                <a:cubicBezTo>
+                  <a:pt x="64" y="46"/>
+                  <a:pt x="68" y="46"/>
+                  <a:pt x="68" y="47"/>
+                </a:cubicBezTo>
+                <a:lnTo>
+                  <a:pt x="68" y="52"/>
+                </a:lnTo>
+                <a:close/>
+                <a:moveTo>
+                  <a:pt x="55" y="8"/>
+                </a:moveTo>
+                <a:cubicBezTo>
+                  <a:pt x="52" y="8"/>
+                  <a:pt x="50" y="10"/>
+                  <a:pt x="50" y="13"/>
+                </a:cubicBezTo>
+                <a:cubicBezTo>
+                  <a:pt x="50" y="15"/>
+                  <a:pt x="52" y="17"/>
+                  <a:pt x="55" y="17"/>
+                </a:cubicBezTo>
+                <a:cubicBezTo>
+                  <a:pt x="57" y="17"/>
+                  <a:pt x="59" y="15"/>
+                  <a:pt x="59" y="13"/>
+                </a:cubicBezTo>
+                <a:cubicBezTo>
+                  <a:pt x="59" y="10"/>
+                  <a:pt x="57" y="8"/>
+                  <a:pt x="55" y="8"/>
+                </a:cubicBezTo>
+                <a:close/>
+                <a:moveTo>
+                  <a:pt x="55" y="45"/>
+                </a:moveTo>
+                <a:cubicBezTo>
+                  <a:pt x="52" y="45"/>
+                  <a:pt x="50" y="47"/>
+                  <a:pt x="50" y="49"/>
+                </a:cubicBezTo>
+                <a:cubicBezTo>
+                  <a:pt x="50" y="52"/>
+                  <a:pt x="52" y="54"/>
+                  <a:pt x="55" y="54"/>
+                </a:cubicBezTo>
+                <a:cubicBezTo>
+                  <a:pt x="57" y="54"/>
+                  <a:pt x="59" y="52"/>
+                  <a:pt x="59" y="49"/>
+                </a:cubicBezTo>
+                <a:cubicBezTo>
+                  <a:pt x="59" y="47"/>
+                  <a:pt x="57" y="45"/>
+                  <a:pt x="55" y="45"/>
+                </a:cubicBezTo>
+                <a:close/>
+              </a:path>
+            </a:pathLst>
+          </a:custGeom>
+          <a:solidFill>
+            <a:schemeClr val="tx1">
+              <a:lumMod val="50000"/>
+              <a:lumOff val="50000"/>
+            </a:schemeClr>
+          </a:solidFill>
+          <a:ln w="9525">
+            <a:noFill/>
+            <a:round/>
+          </a:ln>
+        </p:spPr>
+        <p:txBody>
+          <a:bodyPr wrap="square" lIns="91440" tIns="45720" rIns="91440" bIns="45720" anchor="ctr">
+            <a:normAutofit/>
+          </a:bodyPr>
+          <a:lstStyle>
+            <a:defPPr>
+              <a:defRPr lang="zh-CN"/>
+            </a:defPPr>
+            <a:lvl1pPr marL="0" algn="l" defTabSz="914400" rtl="0" eaLnBrk="1" latinLnBrk="0" hangingPunct="1">
+              <a:defRPr sz="1800" kern="1200">
+                <a:solidFill>
+                  <a:schemeClr val="tx1"/>
+                </a:solidFill>
+              </a:defRPr>
+            </a:lvl1pPr>
+            <a:lvl2pPr marL="457200" algn="l" defTabSz="914400" rtl="0" eaLnBrk="1" latinLnBrk="0" hangingPunct="1">
+              <a:defRPr sz="1800" kern="1200">
+                <a:solidFill>
+                  <a:schemeClr val="tx1"/>
+                </a:solidFill>
+              </a:defRPr>
+            </a:lvl2pPr>
+            <a:lvl3pPr marL="914400" algn="l" defTabSz="914400" rtl="0" eaLnBrk="1" latinLnBrk="0" hangingPunct="1">
+              <a:defRPr sz="1800" kern="1200">
+                <a:solidFill>
+                  <a:schemeClr val="tx1"/>
+                </a:solidFill>
+              </a:defRPr>
+            </a:lvl3pPr>
+            <a:lvl4pPr marL="1371600" algn="l" defTabSz="914400" rtl="0" eaLnBrk="1" latinLnBrk="0" hangingPunct="1">
+              <a:defRPr sz="1800" kern="1200">
+                <a:solidFill>
+                  <a:schemeClr val="tx1"/>
+                </a:solidFill>
+              </a:defRPr>
+            </a:lvl4pPr>
+            <a:lvl5pPr marL="1828800" algn="l" defTabSz="914400" rtl="0" eaLnBrk="1" latinLnBrk="0" hangingPunct="1">
+              <a:defRPr sz="1800" kern="1200">
+                <a:solidFill>
+                  <a:schemeClr val="tx1"/>
+                </a:solidFill>
+              </a:defRPr>
+            </a:lvl5pPr>
+            <a:lvl6pPr marL="2286000" algn="l" defTabSz="914400" rtl="0" eaLnBrk="1" latinLnBrk="0" hangingPunct="1">
+              <a:defRPr sz="1800" kern="1200">
+                <a:solidFill>
+                  <a:schemeClr val="tx1"/>
+                </a:solidFill>
+              </a:defRPr>
+            </a:lvl6pPr>
+            <a:lvl7pPr marL="2743200" algn="l" defTabSz="914400" rtl="0" eaLnBrk="1" latinLnBrk="0" hangingPunct="1">
+              <a:defRPr sz="1800" kern="1200">
+                <a:solidFill>
+                  <a:schemeClr val="tx1"/>
+                </a:solidFill>
+              </a:defRPr>
+            </a:lvl7pPr>
+            <a:lvl8pPr marL="3200400" algn="l" defTabSz="914400" rtl="0" eaLnBrk="1" latinLnBrk="0" hangingPunct="1">
+              <a:defRPr sz="1800" kern="1200">
+                <a:solidFill>
+                  <a:schemeClr val="tx1"/>
+                </a:solidFill>
+              </a:defRPr>
+            </a:lvl8pPr>
+            <a:lvl9pPr marL="3657600" algn="l" defTabSz="914400" rtl="0" eaLnBrk="1" latinLnBrk="0" hangingPunct="1">
+              <a:defRPr sz="1800" kern="1200">
+                <a:solidFill>
+                  <a:schemeClr val="tx1"/>
+                </a:solidFill>
+              </a:defRPr>
+            </a:lvl9pPr>
+          </a:lstStyle>
+          <a:p>
+            <a:pPr algn="ctr"/>
+          </a:p>
+        </p:txBody>
+      </p:sp>
+      <p:cxnSp>
+        <p:nvCxnSpPr>
+          <p:cNvPr id="37" name="直接连接符 36"/>
+          <p:cNvCxnSpPr/>
+          <p:nvPr/>
+        </p:nvCxnSpPr>
+        <p:spPr>
+          <a:xfrm flipH="1">
+            <a:off x="669925" y="4476739"/>
+            <a:ext cx="4016375" cy="0"/>
+          </a:xfrm>
+          <a:prstGeom prst="line">
+            <a:avLst/>
+          </a:prstGeom>
+          <a:ln w="3175" cap="rnd">
+            <a:solidFill>
+              <a:schemeClr val="bg1">
+                <a:lumMod val="75000"/>
+              </a:schemeClr>
+            </a:solidFill>
+            <a:round/>
+          </a:ln>
+        </p:spPr>
+        <p:style>
+          <a:lnRef idx="1">
+            <a:schemeClr val="accent1"/>
+          </a:lnRef>
+          <a:fillRef idx="0">
+            <a:schemeClr val="accent1"/>
+          </a:fillRef>
+          <a:effectRef idx="0">
+            <a:schemeClr val="accent1"/>
+          </a:effectRef>
+          <a:fontRef idx="minor">
+            <a:schemeClr val="tx1"/>
+          </a:fontRef>
+        </p:style>
+      </p:cxnSp>
+      <p:sp>
+        <p:nvSpPr>
+          <p:cNvPr id="38" name="矩形 37"/>
+          <p:cNvSpPr/>
+          <p:nvPr/>
+        </p:nvSpPr>
+        <p:spPr bwMode="auto">
+          <a:xfrm>
+            <a:off x="458470" y="1992630"/>
+            <a:ext cx="4116070" cy="804545"/>
+          </a:xfrm>
+          <a:prstGeom prst="rect">
+            <a:avLst/>
+          </a:prstGeom>
+          <a:noFill/>
+          <a:ln>
+            <a:noFill/>
+          </a:ln>
+          <a:extLst>
+            <a:ext uri="{909E8E84-426E-40DD-AFC4-6F175D3DCCD1}">
+              <a14:hiddenFill xmlns:a14="http://schemas.microsoft.com/office/drawing/2010/main">
+                <a:solidFill>
+                  <a:srgbClr val="FFFFFF"/>
+                </a:solidFill>
+              </a14:hiddenFill>
+            </a:ext>
+            <a:ext uri="{91240B29-F687-4F45-9708-019B960494DF}">
+              <a14:hiddenLine xmlns:a14="http://schemas.microsoft.com/office/drawing/2010/main" w="9525">
+                <a:solidFill>
+                  <a:srgbClr val="000000"/>
+                </a:solidFill>
+                <a:miter lim="800000"/>
+                <a:headEnd/>
+                <a:tailEnd/>
+              </a14:hiddenLine>
+            </a:ext>
+          </a:extLst>
+        </p:spPr>
+        <p:txBody>
+          <a:bodyPr wrap="square" lIns="91440" tIns="45720" rIns="91440" bIns="45720" anchor="t" anchorCtr="0"/>
+          <a:lstStyle>
+            <a:defPPr>
+              <a:defRPr lang="zh-CN"/>
+            </a:defPPr>
+            <a:lvl1pPr marL="0" algn="l" defTabSz="914400" rtl="0" eaLnBrk="1" latinLnBrk="0" hangingPunct="1">
+              <a:defRPr sz="1800" kern="1200">
+                <a:solidFill>
+                  <a:schemeClr val="tx1"/>
+                </a:solidFill>
+              </a:defRPr>
+            </a:lvl1pPr>
+            <a:lvl2pPr marL="457200" algn="l" defTabSz="914400" rtl="0" eaLnBrk="1" latinLnBrk="0" hangingPunct="1">
+              <a:defRPr sz="1800" kern="1200">
+                <a:solidFill>
+                  <a:schemeClr val="tx1"/>
+                </a:solidFill>
+              </a:defRPr>
+            </a:lvl2pPr>
+            <a:lvl3pPr marL="914400" algn="l" defTabSz="914400" rtl="0" eaLnBrk="1" latinLnBrk="0" hangingPunct="1">
+              <a:defRPr sz="1800" kern="1200">
+                <a:solidFill>
+                  <a:schemeClr val="tx1"/>
+                </a:solidFill>
+              </a:defRPr>
+            </a:lvl3pPr>
+            <a:lvl4pPr marL="1371600" algn="l" defTabSz="914400" rtl="0" eaLnBrk="1" latinLnBrk="0" hangingPunct="1">
+              <a:defRPr sz="1800" kern="1200">
+                <a:solidFill>
+                  <a:schemeClr val="tx1"/>
+                </a:solidFill>
+              </a:defRPr>
+            </a:lvl4pPr>
+            <a:lvl5pPr marL="1828800" algn="l" defTabSz="914400" rtl="0" eaLnBrk="1" latinLnBrk="0" hangingPunct="1">
+              <a:defRPr sz="1800" kern="1200">
+                <a:solidFill>
+                  <a:schemeClr val="tx1"/>
+                </a:solidFill>
+              </a:defRPr>
+            </a:lvl5pPr>
+            <a:lvl6pPr marL="2286000" algn="l" defTabSz="914400" rtl="0" eaLnBrk="1" latinLnBrk="0" hangingPunct="1">
+              <a:defRPr sz="1800" kern="1200">
+                <a:solidFill>
+                  <a:schemeClr val="tx1"/>
+                </a:solidFill>
+              </a:defRPr>
+            </a:lvl6pPr>
+            <a:lvl7pPr marL="2743200" algn="l" defTabSz="914400" rtl="0" eaLnBrk="1" latinLnBrk="0" hangingPunct="1">
+              <a:defRPr sz="1800" kern="1200">
+                <a:solidFill>
+                  <a:schemeClr val="tx1"/>
+                </a:solidFill>
+              </a:defRPr>
+            </a:lvl7pPr>
+            <a:lvl8pPr marL="3200400" algn="l" defTabSz="914400" rtl="0" eaLnBrk="1" latinLnBrk="0" hangingPunct="1">
+              <a:defRPr sz="1800" kern="1200">
+                <a:solidFill>
+                  <a:schemeClr val="tx1"/>
+                </a:solidFill>
+              </a:defRPr>
+            </a:lvl8pPr>
+            <a:lvl9pPr marL="3657600" algn="l" defTabSz="914400" rtl="0" eaLnBrk="1" latinLnBrk="0" hangingPunct="1">
+              <a:defRPr sz="1800" kern="1200">
+                <a:solidFill>
+                  <a:schemeClr val="tx1"/>
+                </a:solidFill>
+              </a:defRPr>
+            </a:lvl9pPr>
+          </a:lstStyle>
+          <a:p>
+            <a:pPr>
+              <a:lnSpc>
+                <a:spcPct val="150000"/>
+              </a:lnSpc>
+            </a:pPr>
+            <a:r>
+              <a:rPr lang="zh-CN" altLang="en-US" sz="1200" dirty="0"/>
+              <a:t>（</a:t>
+            </a:r>
+            <a:r>
+              <a:rPr lang="en-US" altLang="zh-CN" sz="1200" dirty="0"/>
+              <a:t>1</a:t>
+            </a:r>
+            <a:r>
+              <a:rPr lang="zh-CN" altLang="en-US" sz="1200" dirty="0"/>
+              <a:t>）在公司的实习工作中</a:t>
+            </a:r>
+            <a:r>
+              <a:rPr lang="zh-CN" altLang="en-US" sz="1200" dirty="0"/>
+              <a:t>了解了较多的软件产品</a:t>
+            </a:r>
+            <a:r>
+              <a:rPr lang="zh-CN" altLang="en-US" sz="1200" dirty="0"/>
+              <a:t>情况。</a:t>
+            </a:r>
+            <a:endParaRPr lang="zh-CN" altLang="en-US" sz="1200" dirty="0"/>
+          </a:p>
+        </p:txBody>
+      </p:sp>
+      <p:sp>
+        <p:nvSpPr>
+          <p:cNvPr id="40" name="矩形 39"/>
+          <p:cNvSpPr/>
+          <p:nvPr/>
+        </p:nvSpPr>
+        <p:spPr bwMode="auto">
+          <a:xfrm>
+            <a:off x="458470" y="2797175"/>
+            <a:ext cx="3827780" cy="633095"/>
+          </a:xfrm>
+          <a:prstGeom prst="rect">
+            <a:avLst/>
+          </a:prstGeom>
+          <a:noFill/>
+          <a:ln>
+            <a:noFill/>
+          </a:ln>
+          <a:extLst>
+            <a:ext uri="{909E8E84-426E-40DD-AFC4-6F175D3DCCD1}">
+              <a14:hiddenFill xmlns:a14="http://schemas.microsoft.com/office/drawing/2010/main">
+                <a:solidFill>
+                  <a:srgbClr val="FFFFFF"/>
+                </a:solidFill>
+              </a14:hiddenFill>
+            </a:ext>
+            <a:ext uri="{91240B29-F687-4F45-9708-019B960494DF}">
+              <a14:hiddenLine xmlns:a14="http://schemas.microsoft.com/office/drawing/2010/main" w="9525">
+                <a:solidFill>
+                  <a:srgbClr val="000000"/>
+                </a:solidFill>
+                <a:miter lim="800000"/>
+                <a:headEnd/>
+                <a:tailEnd/>
+              </a14:hiddenLine>
+            </a:ext>
+          </a:extLst>
+        </p:spPr>
+        <p:txBody>
+          <a:bodyPr wrap="square" lIns="91440" tIns="45720" rIns="91440" bIns="45720" anchor="t" anchorCtr="0">
+            <a:noAutofit/>
+          </a:bodyPr>
+          <a:lstStyle>
+            <a:defPPr>
+              <a:defRPr lang="zh-CN"/>
+            </a:defPPr>
+            <a:lvl1pPr marL="0" algn="l" defTabSz="914400" rtl="0" eaLnBrk="1" latinLnBrk="0" hangingPunct="1">
+              <a:defRPr sz="1800" kern="1200">
+                <a:solidFill>
+                  <a:schemeClr val="tx1"/>
+                </a:solidFill>
+              </a:defRPr>
+            </a:lvl1pPr>
+            <a:lvl2pPr marL="457200" algn="l" defTabSz="914400" rtl="0" eaLnBrk="1" latinLnBrk="0" hangingPunct="1">
+              <a:defRPr sz="1800" kern="1200">
+                <a:solidFill>
+                  <a:schemeClr val="tx1"/>
+                </a:solidFill>
+              </a:defRPr>
+            </a:lvl2pPr>
+            <a:lvl3pPr marL="914400" algn="l" defTabSz="914400" rtl="0" eaLnBrk="1" latinLnBrk="0" hangingPunct="1">
+              <a:defRPr sz="1800" kern="1200">
+                <a:solidFill>
+                  <a:schemeClr val="tx1"/>
+                </a:solidFill>
+              </a:defRPr>
+            </a:lvl3pPr>
+            <a:lvl4pPr marL="1371600" algn="l" defTabSz="914400" rtl="0" eaLnBrk="1" latinLnBrk="0" hangingPunct="1">
+              <a:defRPr sz="1800" kern="1200">
+                <a:solidFill>
+                  <a:schemeClr val="tx1"/>
+                </a:solidFill>
+              </a:defRPr>
+            </a:lvl4pPr>
+            <a:lvl5pPr marL="1828800" algn="l" defTabSz="914400" rtl="0" eaLnBrk="1" latinLnBrk="0" hangingPunct="1">
+              <a:defRPr sz="1800" kern="1200">
+                <a:solidFill>
+                  <a:schemeClr val="tx1"/>
+                </a:solidFill>
+              </a:defRPr>
+            </a:lvl5pPr>
+            <a:lvl6pPr marL="2286000" algn="l" defTabSz="914400" rtl="0" eaLnBrk="1" latinLnBrk="0" hangingPunct="1">
+              <a:defRPr sz="1800" kern="1200">
+                <a:solidFill>
+                  <a:schemeClr val="tx1"/>
+                </a:solidFill>
+              </a:defRPr>
+            </a:lvl6pPr>
+            <a:lvl7pPr marL="2743200" algn="l" defTabSz="914400" rtl="0" eaLnBrk="1" latinLnBrk="0" hangingPunct="1">
+              <a:defRPr sz="1800" kern="1200">
+                <a:solidFill>
+                  <a:schemeClr val="tx1"/>
+                </a:solidFill>
+              </a:defRPr>
+            </a:lvl7pPr>
+            <a:lvl8pPr marL="3200400" algn="l" defTabSz="914400" rtl="0" eaLnBrk="1" latinLnBrk="0" hangingPunct="1">
+              <a:defRPr sz="1800" kern="1200">
+                <a:solidFill>
+                  <a:schemeClr val="tx1"/>
+                </a:solidFill>
+              </a:defRPr>
+            </a:lvl8pPr>
+            <a:lvl9pPr marL="3657600" algn="l" defTabSz="914400" rtl="0" eaLnBrk="1" latinLnBrk="0" hangingPunct="1">
+              <a:defRPr sz="1800" kern="1200">
+                <a:solidFill>
+                  <a:schemeClr val="tx1"/>
+                </a:solidFill>
+              </a:defRPr>
+            </a:lvl9pPr>
+          </a:lstStyle>
+          <a:p>
+            <a:pPr>
+              <a:lnSpc>
+                <a:spcPct val="150000"/>
+              </a:lnSpc>
+            </a:pPr>
+            <a:r>
+              <a:rPr lang="en-US" altLang="zh-CN" sz="1200" dirty="0"/>
+              <a:t>（2）</a:t>
+            </a:r>
+            <a:r>
+              <a:rPr lang="zh-CN" altLang="en-US" sz="1200" dirty="0"/>
+              <a:t>针对公司内部的</a:t>
+            </a:r>
+            <a:r>
+              <a:rPr lang="zh-CN" altLang="en-US" sz="1200" dirty="0"/>
+              <a:t>软硬件产品，有设计专门的统一授权</a:t>
+            </a:r>
+            <a:r>
+              <a:rPr lang="zh-CN" altLang="en-US" sz="1200" dirty="0"/>
+              <a:t>平台。</a:t>
+            </a:r>
+            <a:endParaRPr lang="zh-CN" altLang="en-US" sz="1200" dirty="0"/>
+          </a:p>
+        </p:txBody>
+      </p:sp>
+      <p:sp>
+        <p:nvSpPr>
+          <p:cNvPr id="41" name="矩形 40"/>
+          <p:cNvSpPr/>
+          <p:nvPr/>
+        </p:nvSpPr>
+        <p:spPr bwMode="auto">
+          <a:xfrm>
+            <a:off x="458470" y="3724275"/>
+            <a:ext cx="4041775" cy="576580"/>
+          </a:xfrm>
+          <a:prstGeom prst="rect">
+            <a:avLst/>
+          </a:prstGeom>
+          <a:noFill/>
+          <a:ln>
+            <a:noFill/>
+          </a:ln>
+          <a:extLst>
+            <a:ext uri="{909E8E84-426E-40DD-AFC4-6F175D3DCCD1}">
+              <a14:hiddenFill xmlns:a14="http://schemas.microsoft.com/office/drawing/2010/main">
+                <a:solidFill>
+                  <a:srgbClr val="FFFFFF"/>
+                </a:solidFill>
+              </a14:hiddenFill>
+            </a:ext>
+            <a:ext uri="{91240B29-F687-4F45-9708-019B960494DF}">
+              <a14:hiddenLine xmlns:a14="http://schemas.microsoft.com/office/drawing/2010/main" w="9525">
+                <a:solidFill>
+                  <a:srgbClr val="000000"/>
+                </a:solidFill>
+                <a:miter lim="800000"/>
+                <a:headEnd/>
+                <a:tailEnd/>
+              </a14:hiddenLine>
+            </a:ext>
+          </a:extLst>
+        </p:spPr>
+        <p:txBody>
+          <a:bodyPr wrap="square" lIns="91440" tIns="45720" rIns="91440" bIns="45720" anchor="t" anchorCtr="0">
+            <a:normAutofit lnSpcReduction="20000"/>
+          </a:bodyPr>
+          <a:lstStyle>
+            <a:defPPr>
+              <a:defRPr lang="zh-CN"/>
+            </a:defPPr>
+            <a:lvl1pPr marL="0" algn="l" defTabSz="914400" rtl="0" eaLnBrk="1" latinLnBrk="0" hangingPunct="1">
+              <a:defRPr sz="1800" kern="1200">
+                <a:solidFill>
+                  <a:schemeClr val="tx1"/>
+                </a:solidFill>
+              </a:defRPr>
+            </a:lvl1pPr>
+            <a:lvl2pPr marL="457200" algn="l" defTabSz="914400" rtl="0" eaLnBrk="1" latinLnBrk="0" hangingPunct="1">
+              <a:defRPr sz="1800" kern="1200">
+                <a:solidFill>
+                  <a:schemeClr val="tx1"/>
+                </a:solidFill>
+              </a:defRPr>
+            </a:lvl2pPr>
+            <a:lvl3pPr marL="914400" algn="l" defTabSz="914400" rtl="0" eaLnBrk="1" latinLnBrk="0" hangingPunct="1">
+              <a:defRPr sz="1800" kern="1200">
+                <a:solidFill>
+                  <a:schemeClr val="tx1"/>
+                </a:solidFill>
+              </a:defRPr>
+            </a:lvl3pPr>
+            <a:lvl4pPr marL="1371600" algn="l" defTabSz="914400" rtl="0" eaLnBrk="1" latinLnBrk="0" hangingPunct="1">
+              <a:defRPr sz="1800" kern="1200">
+                <a:solidFill>
+                  <a:schemeClr val="tx1"/>
+                </a:solidFill>
+              </a:defRPr>
+            </a:lvl4pPr>
+            <a:lvl5pPr marL="1828800" algn="l" defTabSz="914400" rtl="0" eaLnBrk="1" latinLnBrk="0" hangingPunct="1">
+              <a:defRPr sz="1800" kern="1200">
+                <a:solidFill>
+                  <a:schemeClr val="tx1"/>
+                </a:solidFill>
+              </a:defRPr>
+            </a:lvl5pPr>
+            <a:lvl6pPr marL="2286000" algn="l" defTabSz="914400" rtl="0" eaLnBrk="1" latinLnBrk="0" hangingPunct="1">
+              <a:defRPr sz="1800" kern="1200">
+                <a:solidFill>
+                  <a:schemeClr val="tx1"/>
+                </a:solidFill>
+              </a:defRPr>
+            </a:lvl6pPr>
+            <a:lvl7pPr marL="2743200" algn="l" defTabSz="914400" rtl="0" eaLnBrk="1" latinLnBrk="0" hangingPunct="1">
+              <a:defRPr sz="1800" kern="1200">
+                <a:solidFill>
+                  <a:schemeClr val="tx1"/>
+                </a:solidFill>
+              </a:defRPr>
+            </a:lvl7pPr>
+            <a:lvl8pPr marL="3200400" algn="l" defTabSz="914400" rtl="0" eaLnBrk="1" latinLnBrk="0" hangingPunct="1">
+              <a:defRPr sz="1800" kern="1200">
+                <a:solidFill>
+                  <a:schemeClr val="tx1"/>
+                </a:solidFill>
+              </a:defRPr>
+            </a:lvl8pPr>
+            <a:lvl9pPr marL="3657600" algn="l" defTabSz="914400" rtl="0" eaLnBrk="1" latinLnBrk="0" hangingPunct="1">
+              <a:defRPr sz="1800" kern="1200">
+                <a:solidFill>
+                  <a:schemeClr val="tx1"/>
+                </a:solidFill>
+              </a:defRPr>
+            </a:lvl9pPr>
+          </a:lstStyle>
+          <a:p>
+            <a:pPr>
+              <a:lnSpc>
+                <a:spcPct val="150000"/>
+              </a:lnSpc>
+            </a:pPr>
+            <a:r>
+              <a:rPr lang="en-US" altLang="zh-CN" sz="1200" dirty="0"/>
+              <a:t>（3）</a:t>
+            </a:r>
+            <a:r>
+              <a:rPr lang="zh-CN" altLang="en-US" sz="1200" dirty="0"/>
+              <a:t>参考已有的设计，综合更通用的需求</a:t>
+            </a:r>
+            <a:r>
+              <a:rPr lang="zh-CN" altLang="en-US" sz="1200" dirty="0"/>
+              <a:t>进行优化，并将其</a:t>
+            </a:r>
+            <a:r>
+              <a:rPr lang="zh-CN" altLang="en-US" sz="1200" dirty="0"/>
+              <a:t>通用化。</a:t>
+            </a:r>
+            <a:endParaRPr lang="zh-CN" altLang="en-US" sz="1200" dirty="0"/>
+          </a:p>
+        </p:txBody>
+      </p:sp>
+    </p:spTree>
+  </p:cSld>
+  <p:clrMapOvr>
+    <a:masterClrMapping/>
+  </p:clrMapOvr>
+</p:sld>
+</file>
+
+<file path=ppt/slides/slide13.xml><?xml version="1.0" encoding="utf-8"?>
+<p:sld xmlns:a="http://schemas.openxmlformats.org/drawingml/2006/main" xmlns:r="http://schemas.openxmlformats.org/officeDocument/2006/relationships" xmlns:p="http://schemas.openxmlformats.org/presentationml/2006/main">
+  <p:cSld>
+    <p:spTree>
+      <p:nvGrpSpPr>
+        <p:cNvPr id="1" name=""/>
+        <p:cNvGrpSpPr/>
+        <p:nvPr/>
+      </p:nvGrpSpPr>
+      <p:grpSpPr>
+        <a:xfrm>
+          <a:off x="0" y="0"/>
+          <a:ext cx="0" cy="0"/>
+          <a:chOff x="0" y="0"/>
+          <a:chExt cx="0" cy="0"/>
+        </a:xfrm>
+      </p:grpSpPr>
       <p:graphicFrame>
         <p:nvGraphicFramePr>
           <p:cNvPr id="3" name="对象 2" hidden="1"/>
@@ -6887,7 +10705,7 @@
           <a:graphicData uri="http://schemas.openxmlformats.org/presentationml/2006/ole">
             <mc:AlternateContent xmlns:mc="http://schemas.openxmlformats.org/markup-compatibility/2006">
               <mc:Choice xmlns:v="urn:schemas-microsoft-com:vml" Requires="v">
-                <p:oleObj spid="_x0000_s0" name="think-cell Slide" r:id="rId1" imgW="9525" imgH="9525" progId="TCLayout.ActiveDocument.1">
+                <p:oleObj spid="_x0000_s2" name="think-cell Slide" r:id="rId1" imgW="9525" imgH="9525" progId="TCLayout.ActiveDocument.1">
                   <p:embed/>
                 </p:oleObj>
               </mc:Choice>
@@ -6924,7 +10742,7 @@
       </p:graphicFrame>
       <p:sp>
         <p:nvSpPr>
-          <p:cNvPr id="2" name="矩形 1" hidden="1"/>
+          <p:cNvPr id="4" name="矩形 3" hidden="1"/>
           <p:cNvSpPr/>
           <p:nvPr/>
         </p:nvSpPr>
